--- a/Git Analisis/Incidencia Delictiva/Mar 2023- Actualidad/Marzo/1_REPORTE EJECUTIVO INCIDENCIA MARZO 2023.pptx
+++ b/Git Analisis/Incidencia Delictiva/Mar 2023- Actualidad/Marzo/1_REPORTE EJECUTIVO INCIDENCIA MARZO 2023.pptx
@@ -274,7 +274,7 @@
       </p15:sldGuideLst>
     </p:ext>
     <p:ext uri="http://customooxmlschemas.google.com/">
-      <go:slidesCustomData xmlns="" xmlns:mc="http://schemas.openxmlformats.org/markup-compatibility/2006" xmlns:mv="urn:schemas-microsoft-com:mac:vml" xmlns:c="http://schemas.openxmlformats.org/drawingml/2006/chart" xmlns:dgm="http://schemas.openxmlformats.org/drawingml/2006/diagram" xmlns:o="urn:schemas-microsoft-com:office:office" xmlns:v="urn:schemas-microsoft-com:vml" xmlns:pvml="urn:schemas-microsoft-com:office:powerpoint" xmlns:com="http://schemas.openxmlformats.org/drawingml/2006/compatibility" xmlns:p14="http://schemas.microsoft.com/office/powerpoint/2010/main" xmlns:p15="http://schemas.microsoft.com/office/powerpoint/2012/main" xmlns:ahyp="http://schemas.microsoft.com/office/drawing/2018/hyperlinkcolor" xmlns:go="http://customooxmlschemas.google.com/" r:id="rId56" roundtripDataSignature="AMtx7mj/4rtfgpk51xrt8IYKBufNKyffqA=="/>
+      <go:slidesCustomData xmlns:go="http://customooxmlschemas.google.com/" xmlns:ahyp="http://schemas.microsoft.com/office/drawing/2018/hyperlinkcolor" xmlns:p15="http://schemas.microsoft.com/office/powerpoint/2012/main" xmlns:p14="http://schemas.microsoft.com/office/powerpoint/2010/main" xmlns:com="http://schemas.openxmlformats.org/drawingml/2006/compatibility" xmlns:pvml="urn:schemas-microsoft-com:office:powerpoint" xmlns:v="urn:schemas-microsoft-com:vml" xmlns:o="urn:schemas-microsoft-com:office:office" xmlns:dgm="http://schemas.openxmlformats.org/drawingml/2006/diagram" xmlns:c="http://schemas.openxmlformats.org/drawingml/2006/chart" xmlns:mv="urn:schemas-microsoft-com:mac:vml" xmlns:mc="http://schemas.openxmlformats.org/markup-compatibility/2006" xmlns="" r:id="rId56" roundtripDataSignature="AMtx7mj/4rtfgpk51xrt8IYKBufNKyffqA=="/>
     </p:ext>
   </p:extLst>
 </p:presentation>
@@ -6080,12 +6080,12 @@
         <a:lstStyle/>
         <a:p>
           <a:r>
-            <a:rPr lang="es-MX" b="0" i="0" dirty="0">
+            <a:rPr lang="es-MX" b="0" i="0">
               <a:latin typeface="Adelle Sans Light" panose="02000503000000020004" pitchFamily="50" charset="0"/>
             </a:rPr>
             <a:t>La violencia de género contra las mujeres es una problemática extendida a nivel internacional con consecuencias negativas tanto en las víctimas como en las personas allegadas a ellas.</a:t>
           </a:r>
-          <a:endParaRPr lang="es-MX" dirty="0">
+          <a:endParaRPr lang="es-MX">
             <a:latin typeface="Adelle Sans Light" panose="02000503000000020004" pitchFamily="50" charset="0"/>
           </a:endParaRPr>
         </a:p>
@@ -6125,12 +6125,12 @@
         <a:lstStyle/>
         <a:p>
           <a:r>
-            <a:rPr lang="es-MX" b="0" i="0" dirty="0">
+            <a:rPr lang="es-MX" b="0" i="0">
               <a:latin typeface="Adelle Sans Light" panose="02000503000000020004" pitchFamily="50" charset="0"/>
             </a:rPr>
             <a:t>Pero también afecta al sector público, en ámbitos como el de salud, económico y de seguridad, por mencionar algunos. </a:t>
           </a:r>
-          <a:endParaRPr lang="es-MX" dirty="0">
+          <a:endParaRPr lang="es-MX">
             <a:latin typeface="Adelle Sans Light" panose="02000503000000020004" pitchFamily="50" charset="0"/>
           </a:endParaRPr>
         </a:p>
@@ -6237,12 +6237,12 @@
         <a:lstStyle/>
         <a:p>
           <a:r>
-            <a:rPr lang="es-MX" sz="2400" b="0" i="0" dirty="0">
+            <a:rPr lang="es-MX" sz="2400" b="0" i="0">
               <a:latin typeface="Adelle Sans Light" panose="02000503000000020004" pitchFamily="50" charset="0"/>
             </a:rPr>
             <a:t>Del catálogo de delitos del Fuero Común del SESNSP, la Subdirección de Prevención Estratégica, adscrita a la Dirección de Prevención de la Violencia y Discriminación de la Secretaría de Igualdad Sustantiva, eligió 12 que se consideran directamente relacionados con violencia contra las mujeres, a saber: </a:t>
           </a:r>
-          <a:endParaRPr lang="es-MX" sz="2400" dirty="0">
+          <a:endParaRPr lang="es-MX" sz="2400">
             <a:latin typeface="Adelle Sans Light" panose="02000503000000020004" pitchFamily="50" charset="0"/>
           </a:endParaRPr>
         </a:p>
@@ -6282,12 +6282,12 @@
         <a:lstStyle/>
         <a:p>
           <a:r>
-            <a:rPr lang="es-MX" sz="2400" b="0" i="0" dirty="0">
+            <a:rPr lang="es-MX" sz="2400" b="0" i="0">
               <a:latin typeface="Adelle Sans Light" panose="02000503000000020004" pitchFamily="50" charset="0"/>
             </a:rPr>
             <a:t>Aborto</a:t>
           </a:r>
-          <a:endParaRPr lang="es-MX" sz="2400" dirty="0">
+          <a:endParaRPr lang="es-MX" sz="2400">
             <a:latin typeface="Adelle Sans Light" panose="02000503000000020004" pitchFamily="50" charset="0"/>
           </a:endParaRPr>
         </a:p>
@@ -6327,12 +6327,12 @@
         <a:lstStyle/>
         <a:p>
           <a:r>
-            <a:rPr lang="es-MX" sz="2400" b="0" i="0" dirty="0">
+            <a:rPr lang="es-MX" sz="2400" b="0" i="0">
               <a:latin typeface="Adelle Sans Light" panose="02000503000000020004" pitchFamily="50" charset="0"/>
             </a:rPr>
             <a:t>Abuso sexual</a:t>
           </a:r>
-          <a:endParaRPr lang="es-MX" sz="2400" dirty="0">
+          <a:endParaRPr lang="es-MX" sz="2400">
             <a:latin typeface="Adelle Sans Light" panose="02000503000000020004" pitchFamily="50" charset="0"/>
           </a:endParaRPr>
         </a:p>
@@ -6372,12 +6372,12 @@
         <a:lstStyle/>
         <a:p>
           <a:r>
-            <a:rPr lang="es-MX" sz="2400" b="0" i="0" dirty="0">
+            <a:rPr lang="es-MX" sz="2400" b="0" i="0">
               <a:latin typeface="Adelle Sans Light" panose="02000503000000020004" pitchFamily="50" charset="0"/>
             </a:rPr>
             <a:t>Acoso sexual</a:t>
           </a:r>
-          <a:endParaRPr lang="es-MX" sz="2400" dirty="0">
+          <a:endParaRPr lang="es-MX" sz="2400">
             <a:latin typeface="Adelle Sans Light" panose="02000503000000020004" pitchFamily="50" charset="0"/>
           </a:endParaRPr>
         </a:p>
@@ -6417,12 +6417,12 @@
         <a:lstStyle/>
         <a:p>
           <a:r>
-            <a:rPr lang="es-MX" sz="2400" b="0" i="0" dirty="0">
+            <a:rPr lang="es-MX" sz="2400" b="0" i="0">
               <a:latin typeface="Adelle Sans Light" panose="02000503000000020004" pitchFamily="50" charset="0"/>
             </a:rPr>
             <a:t>Feminicidio</a:t>
           </a:r>
-          <a:endParaRPr lang="es-MX" sz="2400" dirty="0">
+          <a:endParaRPr lang="es-MX" sz="2400">
             <a:latin typeface="Adelle Sans Light" panose="02000503000000020004" pitchFamily="50" charset="0"/>
           </a:endParaRPr>
         </a:p>
@@ -6462,12 +6462,12 @@
         <a:lstStyle/>
         <a:p>
           <a:r>
-            <a:rPr lang="es-MX" sz="2400" b="0" i="0" dirty="0">
+            <a:rPr lang="es-MX" sz="2400" b="0" i="0">
               <a:latin typeface="Adelle Sans Light" panose="02000503000000020004" pitchFamily="50" charset="0"/>
             </a:rPr>
             <a:t>Hostigamiento sexual </a:t>
           </a:r>
-          <a:endParaRPr lang="es-MX" sz="2400" dirty="0">
+          <a:endParaRPr lang="es-MX" sz="2400">
             <a:latin typeface="Adelle Sans Light" panose="02000503000000020004" pitchFamily="50" charset="0"/>
           </a:endParaRPr>
         </a:p>
@@ -6507,12 +6507,12 @@
         <a:lstStyle/>
         <a:p>
           <a:r>
-            <a:rPr lang="es-MX" sz="2400" b="0" i="0" dirty="0">
+            <a:rPr lang="es-MX" sz="2400" b="0" i="0">
               <a:latin typeface="Adelle Sans Light" panose="02000503000000020004" pitchFamily="50" charset="0"/>
             </a:rPr>
             <a:t>Otros delitos contra la familia</a:t>
           </a:r>
-          <a:endParaRPr lang="es-MX" sz="2400" dirty="0">
+          <a:endParaRPr lang="es-MX" sz="2400">
             <a:latin typeface="Adelle Sans Light" panose="02000503000000020004" pitchFamily="50" charset="0"/>
           </a:endParaRPr>
         </a:p>
@@ -6552,12 +6552,12 @@
         <a:lstStyle/>
         <a:p>
           <a:r>
-            <a:rPr lang="es-MX" sz="2400" b="0" i="0" dirty="0">
+            <a:rPr lang="es-MX" sz="2400" b="0" i="0">
               <a:latin typeface="Adelle Sans Light" panose="02000503000000020004" pitchFamily="50" charset="0"/>
             </a:rPr>
             <a:t>Otros delitos que atentan contra la libertad y la seguridad sexual</a:t>
           </a:r>
-          <a:endParaRPr lang="es-MX" sz="2400" dirty="0">
+          <a:endParaRPr lang="es-MX" sz="2400">
             <a:latin typeface="Adelle Sans Light" panose="02000503000000020004" pitchFamily="50" charset="0"/>
           </a:endParaRPr>
         </a:p>
@@ -6597,12 +6597,12 @@
         <a:lstStyle/>
         <a:p>
           <a:r>
-            <a:rPr lang="es-MX" sz="2400" b="0" i="0" dirty="0">
+            <a:rPr lang="es-MX" sz="2400" b="0" i="0">
               <a:latin typeface="Adelle Sans Light" panose="02000503000000020004" pitchFamily="50" charset="0"/>
             </a:rPr>
             <a:t>Trata de personas</a:t>
           </a:r>
-          <a:endParaRPr lang="es-MX" sz="2400" dirty="0">
+          <a:endParaRPr lang="es-MX" sz="2400">
             <a:latin typeface="Adelle Sans Light" panose="02000503000000020004" pitchFamily="50" charset="0"/>
           </a:endParaRPr>
         </a:p>
@@ -6642,12 +6642,12 @@
         <a:lstStyle/>
         <a:p>
           <a:r>
-            <a:rPr lang="es-MX" sz="2400" b="0" i="0" dirty="0">
+            <a:rPr lang="es-MX" sz="2400" b="0" i="0">
               <a:latin typeface="Adelle Sans Light" panose="02000503000000020004" pitchFamily="50" charset="0"/>
             </a:rPr>
             <a:t>Violación equiparada</a:t>
           </a:r>
-          <a:endParaRPr lang="es-MX" sz="2400" dirty="0">
+          <a:endParaRPr lang="es-MX" sz="2400">
             <a:latin typeface="Adelle Sans Light" panose="02000503000000020004" pitchFamily="50" charset="0"/>
           </a:endParaRPr>
         </a:p>
@@ -6687,12 +6687,12 @@
         <a:lstStyle/>
         <a:p>
           <a:r>
-            <a:rPr lang="es-MX" sz="2400" b="0" i="0" dirty="0">
+            <a:rPr lang="es-MX" sz="2400" b="0" i="0">
               <a:latin typeface="Adelle Sans Light" panose="02000503000000020004" pitchFamily="50" charset="0"/>
             </a:rPr>
             <a:t>Violación simple</a:t>
           </a:r>
-          <a:endParaRPr lang="es-MX" sz="2400" dirty="0">
+          <a:endParaRPr lang="es-MX" sz="2400">
             <a:latin typeface="Adelle Sans Light" panose="02000503000000020004" pitchFamily="50" charset="0"/>
           </a:endParaRPr>
         </a:p>
@@ -6732,12 +6732,12 @@
         <a:lstStyle/>
         <a:p>
           <a:r>
-            <a:rPr lang="es-MX" sz="2400" b="0" i="0" dirty="0">
+            <a:rPr lang="es-MX" sz="2400" b="0" i="0">
               <a:latin typeface="Adelle Sans Light" panose="02000503000000020004" pitchFamily="50" charset="0"/>
             </a:rPr>
             <a:t>Violencia de género en todas sus modalidades distinta a la violencia familiar</a:t>
           </a:r>
-          <a:endParaRPr lang="es-MX" sz="2400" dirty="0">
+          <a:endParaRPr lang="es-MX" sz="2400">
             <a:latin typeface="Adelle Sans Light" panose="02000503000000020004" pitchFamily="50" charset="0"/>
           </a:endParaRPr>
         </a:p>
@@ -6777,12 +6777,12 @@
         <a:lstStyle/>
         <a:p>
           <a:r>
-            <a:rPr lang="es-MX" sz="2400" b="0" i="0" dirty="0">
+            <a:rPr lang="es-MX" sz="2400" b="0" i="0">
               <a:latin typeface="Adelle Sans Light" panose="02000503000000020004" pitchFamily="50" charset="0"/>
             </a:rPr>
             <a:t>Violencia familiar.</a:t>
           </a:r>
-          <a:endParaRPr lang="es-MX" sz="2400" dirty="0">
+          <a:endParaRPr lang="es-MX" sz="2400">
             <a:latin typeface="Adelle Sans Light" panose="02000503000000020004" pitchFamily="50" charset="0"/>
           </a:endParaRPr>
         </a:p>
@@ -6822,12 +6822,12 @@
         <a:lstStyle/>
         <a:p>
           <a:r>
-            <a:rPr lang="es-MX" b="0" i="0" dirty="0">
+            <a:rPr lang="es-MX" b="0" i="0">
               <a:latin typeface="Adelle Sans Light" panose="02000503000000020004" pitchFamily="50" charset="0"/>
             </a:rPr>
             <a:t>La tipificación de estos presuntos delitos se encuentra especificada para su consulta en el Anexo 1 de este Reporte. </a:t>
           </a:r>
-          <a:endParaRPr lang="es-MX" dirty="0">
+          <a:endParaRPr lang="es-MX">
             <a:latin typeface="Adelle Sans Light" panose="02000503000000020004" pitchFamily="50" charset="0"/>
           </a:endParaRPr>
         </a:p>
@@ -7486,10 +7486,10 @@
         <a:lstStyle/>
         <a:p>
           <a:r>
-            <a:rPr lang="es-MX" b="0" i="0" dirty="0"/>
+            <a:rPr lang="es-MX" b="0" i="0"/>
             <a:t>En marzo de 2023, en el estado de Puebla ocurrieron 7007 incidencias delictivas, de las cuales 1232 se tratan de probables delitos directamente relacionados con violencia contra las mujeres. En este rubro, hubo un incremento del 22.71% respecto al mes de febrero y está distribuido de la siguiente forma:</a:t>
           </a:r>
-          <a:endParaRPr lang="es-MX" dirty="0"/>
+          <a:endParaRPr lang="es-MX"/>
         </a:p>
       </dgm:t>
     </dgm:pt>
@@ -7608,7 +7608,7 @@
             <a:buNone/>
           </a:pPr>
           <a:r>
-            <a:rPr lang="es-ES" sz="2400" b="0" i="0" u="none" strike="noStrike" kern="1200" cap="none" dirty="0">
+            <a:rPr lang="es-ES" sz="2400" b="0" i="0" u="none" strike="noStrike" kern="1200" cap="none">
               <a:solidFill>
                 <a:schemeClr val="bg1"/>
               </a:solidFill>
@@ -7618,7 +7618,7 @@
             </a:rPr>
             <a:t>La capacitación con perspectiva de género a funcionarios públicos y población en general</a:t>
           </a:r>
-          <a:endParaRPr lang="es-MX" sz="2400" b="0" i="0" u="none" strike="noStrike" kern="1200" cap="none" dirty="0">
+          <a:endParaRPr lang="es-MX" sz="2400" b="0" i="0" u="none" strike="noStrike" kern="1200" cap="none">
             <a:solidFill>
               <a:schemeClr val="bg1"/>
             </a:solidFill>
@@ -7695,7 +7695,7 @@
             <a:buNone/>
           </a:pPr>
           <a:r>
-            <a:rPr lang="es-ES" sz="2400" b="0" i="0" u="none" strike="noStrike" kern="1200" cap="none" dirty="0">
+            <a:rPr lang="es-ES" sz="2400" b="0" i="0" u="none" strike="noStrike" kern="1200" cap="none">
               <a:solidFill>
                 <a:schemeClr val="bg1"/>
               </a:solidFill>
@@ -7706,7 +7706,7 @@
             </a:rPr>
             <a:t>Prohibición a todo funcionario de discriminar por razón de género</a:t>
           </a:r>
-          <a:endParaRPr lang="es-MX" sz="2400" b="0" i="0" u="none" strike="noStrike" kern="1200" cap="none" dirty="0">
+          <a:endParaRPr lang="es-MX" sz="2400" b="0" i="0" u="none" strike="noStrike" kern="1200" cap="none">
             <a:solidFill>
               <a:schemeClr val="bg1"/>
             </a:solidFill>
@@ -7783,7 +7783,7 @@
             </a:spcAft>
             <a:buNone/>
           </a:pPr>
-          <a:endParaRPr lang="es-ES" sz="1100" b="0" kern="1200" dirty="0">
+          <a:endParaRPr lang="es-ES" sz="1100" b="0" kern="1200">
             <a:solidFill>
               <a:sysClr val="windowText" lastClr="000000"/>
             </a:solidFill>
@@ -7805,7 +7805,7 @@
             </a:spcAft>
             <a:buNone/>
           </a:pPr>
-          <a:endParaRPr lang="es-ES" sz="1100" b="0" kern="1200" dirty="0">
+          <a:endParaRPr lang="es-ES" sz="1100" b="0" kern="1200">
             <a:solidFill>
               <a:sysClr val="windowText" lastClr="000000"/>
             </a:solidFill>
@@ -7827,7 +7827,7 @@
             </a:spcAft>
             <a:buNone/>
           </a:pPr>
-          <a:endParaRPr lang="es-ES" sz="1200" b="0" i="0" u="none" strike="noStrike" kern="1200" cap="none" dirty="0">
+          <a:endParaRPr lang="es-ES" sz="1200" b="0" i="0" u="none" strike="noStrike" kern="1200" cap="none">
             <a:solidFill>
               <a:srgbClr val="5B4F63"/>
             </a:solidFill>
@@ -7850,7 +7850,7 @@
             <a:buNone/>
           </a:pPr>
           <a:r>
-            <a:rPr lang="es-ES" sz="2400" b="0" i="0" u="none" strike="noStrike" kern="1200" cap="none" dirty="0">
+            <a:rPr lang="es-ES" sz="2400" b="0" i="0" u="none" strike="noStrike" kern="1200" cap="none">
               <a:solidFill>
                 <a:srgbClr val="5B4F63"/>
               </a:solidFill>
@@ -7860,7 +7860,7 @@
             </a:rPr>
             <a:t>La discriminación indirecta es aquella que aparenta ser neutra en políticas para mujeres y hombres pero fomentan discriminación </a:t>
           </a:r>
-          <a:endParaRPr lang="es-MX" sz="2400" b="0" i="0" u="none" strike="noStrike" kern="1200" cap="none" dirty="0">
+          <a:endParaRPr lang="es-MX" sz="2400" b="0" i="0" u="none" strike="noStrike" kern="1200" cap="none">
             <a:solidFill>
               <a:srgbClr val="5B4F63"/>
             </a:solidFill>
@@ -7936,7 +7936,7 @@
             </a:spcAft>
             <a:buNone/>
           </a:pPr>
-          <a:endParaRPr lang="es-ES" sz="1200" b="0" kern="1200" dirty="0">
+          <a:endParaRPr lang="es-ES" sz="1200" b="0" kern="1200">
             <a:solidFill>
               <a:sysClr val="windowText" lastClr="000000"/>
             </a:solidFill>
@@ -7959,7 +7959,7 @@
             <a:buNone/>
           </a:pPr>
           <a:r>
-            <a:rPr lang="es-ES" sz="2400" b="0" i="0" u="none" strike="noStrike" kern="1200" cap="none" dirty="0">
+            <a:rPr lang="es-ES" sz="2400" b="0" i="0" u="none" strike="noStrike" kern="1200" cap="none">
               <a:solidFill>
                 <a:srgbClr val="5B4F63"/>
               </a:solidFill>
@@ -7969,7 +7969,7 @@
             </a:rPr>
             <a:t>Obligación de profundizar en el análisis de todas las formas de violencia y discriminación contra mujeres</a:t>
           </a:r>
-          <a:endParaRPr lang="es-MX" sz="2400" b="0" i="0" u="none" strike="noStrike" kern="1200" cap="none" dirty="0">
+          <a:endParaRPr lang="es-MX" sz="2400" b="0" i="0" u="none" strike="noStrike" kern="1200" cap="none">
             <a:solidFill>
               <a:srgbClr val="5B4F63"/>
             </a:solidFill>
@@ -8182,19 +8182,19 @@
         <a:lstStyle/>
         <a:p>
           <a:r>
-            <a:rPr lang="es-ES" sz="2200" b="0" i="0" kern="1200" dirty="0">
+            <a:rPr lang="es-ES" sz="2200" b="0" i="0" kern="1200">
               <a:latin typeface="Adelle Sans Light" panose="02000503000000020004" pitchFamily="50" charset="0"/>
             </a:rPr>
             <a:t>Derivado de lo anterior, es necesario informar que, el Registro Nacional de Personas Desaparecidas y No Localizadas, que concentra la información tanto de la Federación como de las Entidades Federativas, señala que, en el periodo del </a:t>
           </a:r>
           <a:r>
-            <a:rPr lang="es-ES" sz="2200" b="1" i="0" kern="1200" dirty="0">
+            <a:rPr lang="es-ES" sz="2200" b="1" i="0" kern="1200">
               <a:latin typeface="Adelle Sans Light" panose="02000503000000020004" pitchFamily="50" charset="0"/>
             </a:rPr>
             <a:t>15 de marzo de </a:t>
           </a:r>
           <a:r>
-            <a:rPr lang="es-ES" sz="2200" dirty="0"/>
+            <a:rPr lang="es-ES" sz="2200"/>
             <a:t>1964 al  28 de febrero de 2023:</a:t>
           </a:r>
         </a:p>
@@ -8234,12 +8234,12 @@
         <a:lstStyle/>
         <a:p>
           <a:r>
-            <a:rPr lang="es-MX" sz="2200" dirty="0"/>
+            <a:rPr lang="es-MX" sz="2200"/>
             <a:t>En el estado de Puebla se han registrado 1,845 personas desaparecidas y no localizadas.</a:t>
           </a:r>
         </a:p>
         <a:p>
-          <a:endParaRPr lang="es-ES" sz="2200" dirty="0"/>
+          <a:endParaRPr lang="es-ES" sz="2200"/>
         </a:p>
       </dgm:t>
     </dgm:pt>
@@ -8352,42 +8352,42 @@
         <a:lstStyle/>
         <a:p>
           <a:r>
-            <a:rPr lang="es-ES" sz="2800" b="0" i="0" dirty="0">
+            <a:rPr lang="es-ES" sz="2800" b="0" i="0">
               <a:latin typeface="Adelle Sans Light" panose="02000503000000020004" pitchFamily="50" charset="0"/>
             </a:rPr>
             <a:t>Ahora bien, de las </a:t>
           </a:r>
           <a:r>
-            <a:rPr lang="es-ES" dirty="0"/>
+            <a:rPr lang="es-ES"/>
             <a:t>1,845</a:t>
           </a:r>
           <a:r>
-            <a:rPr lang="es-ES" sz="2800" b="0" i="0" dirty="0">
+            <a:rPr lang="es-ES" sz="2800" b="0" i="0">
               <a:latin typeface="Adelle Sans Light" panose="02000503000000020004" pitchFamily="50" charset="0"/>
             </a:rPr>
             <a:t> personas en comento, </a:t>
           </a:r>
           <a:r>
-            <a:rPr lang="es-ES" dirty="0"/>
+            <a:rPr lang="es-ES"/>
             <a:t>686</a:t>
           </a:r>
           <a:r>
-            <a:rPr lang="es-ES" sz="2800" b="0" i="0" dirty="0">
+            <a:rPr lang="es-ES" sz="2800" b="0" i="0">
               <a:latin typeface="Adelle Sans Light" panose="02000503000000020004" pitchFamily="50" charset="0"/>
             </a:rPr>
             <a:t> son mujeres, siendo los municipios de </a:t>
           </a:r>
           <a:r>
-            <a:rPr lang="es-ES" dirty="0"/>
+            <a:rPr lang="es-ES"/>
             <a:t>Puebla, Tehuacán y Tepeaca en donde se ha registrado una mayor cantidad de casos, con 285, 67 y 29 mujeres</a:t>
           </a:r>
           <a:r>
-            <a:rPr lang="es-ES" sz="2800" b="0" i="0" dirty="0">
+            <a:rPr lang="es-ES" sz="2800" b="0" i="0">
               <a:latin typeface="Adelle Sans Light" panose="02000503000000020004" pitchFamily="50" charset="0"/>
             </a:rPr>
             <a:t> desaparecidas y no localizadas, respectivamente. </a:t>
           </a:r>
-          <a:endParaRPr lang="es-MX" sz="2800" dirty="0">
+          <a:endParaRPr lang="es-MX" sz="2800">
             <a:latin typeface="Adelle Sans Light" panose="02000503000000020004" pitchFamily="50" charset="0"/>
           </a:endParaRPr>
         </a:p>
@@ -8427,32 +8427,32 @@
         <a:lstStyle/>
         <a:p>
           <a:r>
-            <a:rPr lang="es-ES" sz="3200" b="0" i="0" kern="1200" dirty="0">
+            <a:rPr lang="es-ES" sz="3200" b="0" i="0" kern="1200">
               <a:latin typeface="Adelle Sans Light" panose="02000503000000020004" pitchFamily="50" charset="0"/>
             </a:rPr>
             <a:t>Se reporta además que, han sido localizadas sin vida de</a:t>
           </a:r>
           <a:r>
-            <a:rPr lang="es-ES" dirty="0"/>
+            <a:rPr lang="es-ES"/>
             <a:t>l 15 de marzo de 1964 al 31 de enero de 2023, 55</a:t>
           </a:r>
           <a:r>
-            <a:rPr lang="es-ES" sz="3200" b="0" i="0" kern="1200" dirty="0">
+            <a:rPr lang="es-ES" sz="3200" b="0" i="0" kern="1200">
               <a:latin typeface="Adelle Sans Light" panose="02000503000000020004" pitchFamily="50" charset="0"/>
             </a:rPr>
             <a:t> mujeres. El RNPDNO registra que el rango de edad donde se cuenta con mayor número de personas sin vida, son entre los </a:t>
           </a:r>
           <a:r>
-            <a:rPr lang="es-ES" dirty="0"/>
+            <a:rPr lang="es-ES"/>
             <a:t>25 y 29 </a:t>
           </a:r>
           <a:r>
-            <a:rPr lang="es-ES" sz="3200" b="0" i="0" kern="1200" dirty="0">
+            <a:rPr lang="es-ES" sz="3200" b="0" i="0" kern="1200">
               <a:latin typeface="Adelle Sans Light" panose="02000503000000020004" pitchFamily="50" charset="0"/>
             </a:rPr>
             <a:t>años en Puebla.</a:t>
           </a:r>
-          <a:endParaRPr lang="es-MX" sz="3200" kern="1200" dirty="0">
+          <a:endParaRPr lang="es-MX" sz="3200" kern="1200">
             <a:latin typeface="Adelle Sans Light" panose="02000503000000020004" pitchFamily="50" charset="0"/>
           </a:endParaRPr>
         </a:p>
@@ -8492,27 +8492,27 @@
         <a:lstStyle/>
         <a:p>
           <a:r>
-            <a:rPr lang="es-ES" sz="2800" b="0" i="0" kern="1200" dirty="0">
+            <a:rPr lang="es-ES" sz="2800" b="0" i="0" kern="1200">
               <a:latin typeface="Adelle Sans Light" panose="02000503000000020004" pitchFamily="50" charset="0"/>
             </a:rPr>
             <a:t>Es preciso mencionar además que, en el periodo comprendido entre el </a:t>
           </a:r>
           <a:r>
-            <a:rPr lang="es-ES" dirty="0"/>
+            <a:rPr lang="es-ES"/>
             <a:t>1 y 28 de febrero </a:t>
           </a:r>
           <a:r>
-            <a:rPr lang="es-ES" sz="2800" b="0" i="0" kern="1200" dirty="0">
+            <a:rPr lang="es-ES" sz="2800" b="0" i="0" kern="1200">
               <a:latin typeface="Adelle Sans Light" panose="02000503000000020004" pitchFamily="50" charset="0"/>
             </a:rPr>
             <a:t>de 2023, se registraron 27 personas desaparecidas y no localizadas, mismas que fueron registradas en 14 municipios de la entidad.</a:t>
           </a:r>
           <a:br>
-            <a:rPr lang="es-MX" sz="2800" b="0" i="0" kern="1200" baseline="0" dirty="0">
+            <a:rPr lang="es-MX" sz="2800" b="0" i="0" kern="1200" baseline="0">
               <a:latin typeface="Adelle Sans Light" panose="02000503000000020004" pitchFamily="50" charset="0"/>
             </a:rPr>
           </a:br>
-          <a:endParaRPr lang="es-MX" sz="2800" kern="1200" dirty="0">
+          <a:endParaRPr lang="es-MX" sz="2800" kern="1200">
             <a:latin typeface="Adelle Sans Light" panose="02000503000000020004" pitchFamily="50" charset="0"/>
           </a:endParaRPr>
         </a:p>
@@ -8749,7 +8749,7 @@
         <a:lstStyle/>
         <a:p>
           <a:r>
-            <a:rPr lang="es-MX" dirty="0"/>
+            <a:rPr lang="es-MX"/>
             <a:t>En este sentido, es necesario no pasar por alto aquellos municipios de la región que parecerían no encabezar las listas ordenadas por mayor número de delitos, pero que sí son más altos en de tasas.</a:t>
           </a:r>
         </a:p>
@@ -8785,7 +8785,7 @@
         <a:lstStyle/>
         <a:p>
           <a:r>
-            <a:rPr lang="es-MX" dirty="0"/>
+            <a:rPr lang="es-MX"/>
             <a:t>Es importante que la generación de información en la materia sea hecha con perspectiva de género y se resalta la importancia del uso de indicadores que permitan hacer comparaciones entre territorios. </a:t>
           </a:r>
         </a:p>
@@ -8821,7 +8821,7 @@
         <a:lstStyle/>
         <a:p>
           <a:r>
-            <a:rPr lang="es-MX" dirty="0"/>
+            <a:rPr lang="es-MX"/>
             <a:t>La generación y monitoreo periódico de la información acerca de los hechos delictivos contra mujeres es clave para la generación de estrategias. </a:t>
           </a:r>
         </a:p>
@@ -9082,12 +9082,12 @@
             <a:buNone/>
           </a:pPr>
           <a:r>
-            <a:rPr lang="es-MX" sz="4300" b="0" i="0" kern="1200" dirty="0">
+            <a:rPr lang="es-MX" sz="4300" b="0" i="0" kern="1200">
               <a:latin typeface="Adelle Sans Light" panose="02000503000000020004" pitchFamily="50" charset="0"/>
             </a:rPr>
             <a:t>Pero también afecta al sector público, en ámbitos como el de salud, económico y de seguridad, por mencionar algunos. </a:t>
           </a:r>
-          <a:endParaRPr lang="es-MX" sz="4300" kern="1200" dirty="0">
+          <a:endParaRPr lang="es-MX" sz="4300" kern="1200">
             <a:latin typeface="Adelle Sans Light" panose="02000503000000020004" pitchFamily="50" charset="0"/>
           </a:endParaRPr>
         </a:p>
@@ -9196,12 +9196,12 @@
             <a:buNone/>
           </a:pPr>
           <a:r>
-            <a:rPr lang="es-MX" sz="4300" b="0" i="0" kern="1200" dirty="0">
+            <a:rPr lang="es-MX" sz="4300" b="0" i="0" kern="1200">
               <a:latin typeface="Adelle Sans Light" panose="02000503000000020004" pitchFamily="50" charset="0"/>
             </a:rPr>
             <a:t>La violencia de género contra las mujeres es una problemática extendida a nivel internacional con consecuencias negativas tanto en las víctimas como en las personas allegadas a ellas.</a:t>
           </a:r>
-          <a:endParaRPr lang="es-MX" sz="4300" kern="1200" dirty="0">
+          <a:endParaRPr lang="es-MX" sz="4300" kern="1200">
             <a:latin typeface="Adelle Sans Light" panose="02000503000000020004" pitchFamily="50" charset="0"/>
           </a:endParaRPr>
         </a:p>
@@ -9296,12 +9296,12 @@
             <a:buNone/>
           </a:pPr>
           <a:r>
-            <a:rPr lang="es-MX" sz="2400" b="0" i="0" kern="1200" dirty="0">
+            <a:rPr lang="es-MX" sz="2400" b="0" i="0" kern="1200">
               <a:latin typeface="Adelle Sans Light" panose="02000503000000020004" pitchFamily="50" charset="0"/>
             </a:rPr>
             <a:t>Del catálogo de delitos del Fuero Común del SESNSP, la Subdirección de Prevención Estratégica, adscrita a la Dirección de Prevención de la Violencia y Discriminación de la Secretaría de Igualdad Sustantiva, eligió 12 que se consideran directamente relacionados con violencia contra las mujeres, a saber: </a:t>
           </a:r>
-          <a:endParaRPr lang="es-MX" sz="2400" kern="1200" dirty="0">
+          <a:endParaRPr lang="es-MX" sz="2400" kern="1200">
             <a:latin typeface="Adelle Sans Light" panose="02000503000000020004" pitchFamily="50" charset="0"/>
           </a:endParaRPr>
         </a:p>
@@ -9513,12 +9513,12 @@
             <a:buNone/>
           </a:pPr>
           <a:r>
-            <a:rPr lang="es-MX" sz="2400" b="0" i="0" kern="1200" dirty="0">
+            <a:rPr lang="es-MX" sz="2400" b="0" i="0" kern="1200">
               <a:latin typeface="Adelle Sans Light" panose="02000503000000020004" pitchFamily="50" charset="0"/>
             </a:rPr>
             <a:t>Aborto</a:t>
           </a:r>
-          <a:endParaRPr lang="es-MX" sz="2400" kern="1200" dirty="0">
+          <a:endParaRPr lang="es-MX" sz="2400" kern="1200">
             <a:latin typeface="Adelle Sans Light" panose="02000503000000020004" pitchFamily="50" charset="0"/>
           </a:endParaRPr>
         </a:p>
@@ -9771,12 +9771,12 @@
             <a:buNone/>
           </a:pPr>
           <a:r>
-            <a:rPr lang="es-MX" sz="2400" b="0" i="0" kern="1200" dirty="0">
+            <a:rPr lang="es-MX" sz="2400" b="0" i="0" kern="1200">
               <a:latin typeface="Adelle Sans Light" panose="02000503000000020004" pitchFamily="50" charset="0"/>
             </a:rPr>
             <a:t>Abuso sexual</a:t>
           </a:r>
-          <a:endParaRPr lang="es-MX" sz="2400" kern="1200" dirty="0">
+          <a:endParaRPr lang="es-MX" sz="2400" kern="1200">
             <a:latin typeface="Adelle Sans Light" panose="02000503000000020004" pitchFamily="50" charset="0"/>
           </a:endParaRPr>
         </a:p>
@@ -10029,12 +10029,12 @@
             <a:buNone/>
           </a:pPr>
           <a:r>
-            <a:rPr lang="es-MX" sz="2400" b="0" i="0" kern="1200" dirty="0">
+            <a:rPr lang="es-MX" sz="2400" b="0" i="0" kern="1200">
               <a:latin typeface="Adelle Sans Light" panose="02000503000000020004" pitchFamily="50" charset="0"/>
             </a:rPr>
             <a:t>Acoso sexual</a:t>
           </a:r>
-          <a:endParaRPr lang="es-MX" sz="2400" kern="1200" dirty="0">
+          <a:endParaRPr lang="es-MX" sz="2400" kern="1200">
             <a:latin typeface="Adelle Sans Light" panose="02000503000000020004" pitchFamily="50" charset="0"/>
           </a:endParaRPr>
         </a:p>
@@ -10287,12 +10287,12 @@
             <a:buNone/>
           </a:pPr>
           <a:r>
-            <a:rPr lang="es-MX" sz="2400" b="0" i="0" kern="1200" dirty="0">
+            <a:rPr lang="es-MX" sz="2400" b="0" i="0" kern="1200">
               <a:latin typeface="Adelle Sans Light" panose="02000503000000020004" pitchFamily="50" charset="0"/>
             </a:rPr>
             <a:t>Feminicidio</a:t>
           </a:r>
-          <a:endParaRPr lang="es-MX" sz="2400" kern="1200" dirty="0">
+          <a:endParaRPr lang="es-MX" sz="2400" kern="1200">
             <a:latin typeface="Adelle Sans Light" panose="02000503000000020004" pitchFamily="50" charset="0"/>
           </a:endParaRPr>
         </a:p>
@@ -10545,12 +10545,12 @@
             <a:buNone/>
           </a:pPr>
           <a:r>
-            <a:rPr lang="es-MX" sz="2400" b="0" i="0" kern="1200" dirty="0">
+            <a:rPr lang="es-MX" sz="2400" b="0" i="0" kern="1200">
               <a:latin typeface="Adelle Sans Light" panose="02000503000000020004" pitchFamily="50" charset="0"/>
             </a:rPr>
             <a:t>Hostigamiento sexual </a:t>
           </a:r>
-          <a:endParaRPr lang="es-MX" sz="2400" kern="1200" dirty="0">
+          <a:endParaRPr lang="es-MX" sz="2400" kern="1200">
             <a:latin typeface="Adelle Sans Light" panose="02000503000000020004" pitchFamily="50" charset="0"/>
           </a:endParaRPr>
         </a:p>
@@ -10803,12 +10803,12 @@
             <a:buNone/>
           </a:pPr>
           <a:r>
-            <a:rPr lang="es-MX" sz="2400" b="0" i="0" kern="1200" dirty="0">
+            <a:rPr lang="es-MX" sz="2400" b="0" i="0" kern="1200">
               <a:latin typeface="Adelle Sans Light" panose="02000503000000020004" pitchFamily="50" charset="0"/>
             </a:rPr>
             <a:t>Otros delitos contra la familia</a:t>
           </a:r>
-          <a:endParaRPr lang="es-MX" sz="2400" kern="1200" dirty="0">
+          <a:endParaRPr lang="es-MX" sz="2400" kern="1200">
             <a:latin typeface="Adelle Sans Light" panose="02000503000000020004" pitchFamily="50" charset="0"/>
           </a:endParaRPr>
         </a:p>
@@ -11061,12 +11061,12 @@
             <a:buNone/>
           </a:pPr>
           <a:r>
-            <a:rPr lang="es-MX" sz="2400" b="0" i="0" kern="1200" dirty="0">
+            <a:rPr lang="es-MX" sz="2400" b="0" i="0" kern="1200">
               <a:latin typeface="Adelle Sans Light" panose="02000503000000020004" pitchFamily="50" charset="0"/>
             </a:rPr>
             <a:t>Otros delitos que atentan contra la libertad y la seguridad sexual</a:t>
           </a:r>
-          <a:endParaRPr lang="es-MX" sz="2400" kern="1200" dirty="0">
+          <a:endParaRPr lang="es-MX" sz="2400" kern="1200">
             <a:latin typeface="Adelle Sans Light" panose="02000503000000020004" pitchFamily="50" charset="0"/>
           </a:endParaRPr>
         </a:p>
@@ -11319,12 +11319,12 @@
             <a:buNone/>
           </a:pPr>
           <a:r>
-            <a:rPr lang="es-MX" sz="2400" b="0" i="0" kern="1200" dirty="0">
+            <a:rPr lang="es-MX" sz="2400" b="0" i="0" kern="1200">
               <a:latin typeface="Adelle Sans Light" panose="02000503000000020004" pitchFamily="50" charset="0"/>
             </a:rPr>
             <a:t>Trata de personas</a:t>
           </a:r>
-          <a:endParaRPr lang="es-MX" sz="2400" kern="1200" dirty="0">
+          <a:endParaRPr lang="es-MX" sz="2400" kern="1200">
             <a:latin typeface="Adelle Sans Light" panose="02000503000000020004" pitchFamily="50" charset="0"/>
           </a:endParaRPr>
         </a:p>
@@ -11577,12 +11577,12 @@
             <a:buNone/>
           </a:pPr>
           <a:r>
-            <a:rPr lang="es-MX" sz="2400" b="0" i="0" kern="1200" dirty="0">
+            <a:rPr lang="es-MX" sz="2400" b="0" i="0" kern="1200">
               <a:latin typeface="Adelle Sans Light" panose="02000503000000020004" pitchFamily="50" charset="0"/>
             </a:rPr>
             <a:t>Violación equiparada</a:t>
           </a:r>
-          <a:endParaRPr lang="es-MX" sz="2400" kern="1200" dirty="0">
+          <a:endParaRPr lang="es-MX" sz="2400" kern="1200">
             <a:latin typeface="Adelle Sans Light" panose="02000503000000020004" pitchFamily="50" charset="0"/>
           </a:endParaRPr>
         </a:p>
@@ -11835,12 +11835,12 @@
             <a:buNone/>
           </a:pPr>
           <a:r>
-            <a:rPr lang="es-MX" sz="2400" b="0" i="0" kern="1200" dirty="0">
+            <a:rPr lang="es-MX" sz="2400" b="0" i="0" kern="1200">
               <a:latin typeface="Adelle Sans Light" panose="02000503000000020004" pitchFamily="50" charset="0"/>
             </a:rPr>
             <a:t>Violación simple</a:t>
           </a:r>
-          <a:endParaRPr lang="es-MX" sz="2400" kern="1200" dirty="0">
+          <a:endParaRPr lang="es-MX" sz="2400" kern="1200">
             <a:latin typeface="Adelle Sans Light" panose="02000503000000020004" pitchFamily="50" charset="0"/>
           </a:endParaRPr>
         </a:p>
@@ -12093,12 +12093,12 @@
             <a:buNone/>
           </a:pPr>
           <a:r>
-            <a:rPr lang="es-MX" sz="2400" b="0" i="0" kern="1200" dirty="0">
+            <a:rPr lang="es-MX" sz="2400" b="0" i="0" kern="1200">
               <a:latin typeface="Adelle Sans Light" panose="02000503000000020004" pitchFamily="50" charset="0"/>
             </a:rPr>
             <a:t>Violencia de género en todas sus modalidades distinta a la violencia familiar</a:t>
           </a:r>
-          <a:endParaRPr lang="es-MX" sz="2400" kern="1200" dirty="0">
+          <a:endParaRPr lang="es-MX" sz="2400" kern="1200">
             <a:latin typeface="Adelle Sans Light" panose="02000503000000020004" pitchFamily="50" charset="0"/>
           </a:endParaRPr>
         </a:p>
@@ -12351,12 +12351,12 @@
             <a:buNone/>
           </a:pPr>
           <a:r>
-            <a:rPr lang="es-MX" sz="2400" b="0" i="0" kern="1200" dirty="0">
+            <a:rPr lang="es-MX" sz="2400" b="0" i="0" kern="1200">
               <a:latin typeface="Adelle Sans Light" panose="02000503000000020004" pitchFamily="50" charset="0"/>
             </a:rPr>
             <a:t>Violencia familiar.</a:t>
           </a:r>
-          <a:endParaRPr lang="es-MX" sz="2400" kern="1200" dirty="0">
+          <a:endParaRPr lang="es-MX" sz="2400" kern="1200">
             <a:latin typeface="Adelle Sans Light" panose="02000503000000020004" pitchFamily="50" charset="0"/>
           </a:endParaRPr>
         </a:p>
@@ -12480,12 +12480,12 @@
             <a:buNone/>
           </a:pPr>
           <a:r>
-            <a:rPr lang="es-MX" sz="3900" b="0" i="0" kern="1200" dirty="0">
+            <a:rPr lang="es-MX" sz="3900" b="0" i="0" kern="1200">
               <a:latin typeface="Adelle Sans Light" panose="02000503000000020004" pitchFamily="50" charset="0"/>
             </a:rPr>
             <a:t>La tipificación de estos presuntos delitos se encuentra especificada para su consulta en el Anexo 1 de este Reporte. </a:t>
           </a:r>
-          <a:endParaRPr lang="es-MX" sz="3900" kern="1200" dirty="0">
+          <a:endParaRPr lang="es-MX" sz="3900" kern="1200">
             <a:latin typeface="Adelle Sans Light" panose="02000503000000020004" pitchFamily="50" charset="0"/>
           </a:endParaRPr>
         </a:p>
@@ -12584,10 +12584,10 @@
             <a:buNone/>
           </a:pPr>
           <a:r>
-            <a:rPr lang="es-MX" sz="3300" b="0" i="0" kern="1200" dirty="0"/>
+            <a:rPr lang="es-MX" sz="3300" b="0" i="0" kern="1200"/>
             <a:t>En marzo de 2023, en el estado de Puebla ocurrieron 7007 incidencias delictivas, de las cuales 1232 se tratan de probables delitos directamente relacionados con violencia contra las mujeres. En este rubro, hubo un incremento del 22.71% respecto al mes de febrero y está distribuido de la siguiente forma:</a:t>
           </a:r>
-          <a:endParaRPr lang="es-MX" sz="3300" kern="1200" dirty="0"/>
+          <a:endParaRPr lang="es-MX" sz="3300" kern="1200"/>
         </a:p>
       </dsp:txBody>
       <dsp:txXfrm>
@@ -12670,7 +12670,7 @@
             <a:buNone/>
           </a:pPr>
           <a:r>
-            <a:rPr lang="es-ES" sz="2400" b="0" i="0" u="none" strike="noStrike" kern="1200" cap="none" dirty="0">
+            <a:rPr lang="es-ES" sz="2400" b="0" i="0" u="none" strike="noStrike" kern="1200" cap="none">
               <a:solidFill>
                 <a:schemeClr val="bg1"/>
               </a:solidFill>
@@ -12680,7 +12680,7 @@
             </a:rPr>
             <a:t>La capacitación con perspectiva de género a funcionarios públicos y población en general</a:t>
           </a:r>
-          <a:endParaRPr lang="es-MX" sz="2400" b="0" i="0" u="none" strike="noStrike" kern="1200" cap="none" dirty="0">
+          <a:endParaRPr lang="es-MX" sz="2400" b="0" i="0" u="none" strike="noStrike" kern="1200" cap="none">
             <a:solidFill>
               <a:schemeClr val="bg1"/>
             </a:solidFill>
@@ -12758,7 +12758,7 @@
             <a:buNone/>
           </a:pPr>
           <a:r>
-            <a:rPr lang="es-ES" sz="2400" b="0" i="0" u="none" strike="noStrike" kern="1200" cap="none" dirty="0">
+            <a:rPr lang="es-ES" sz="2400" b="0" i="0" u="none" strike="noStrike" kern="1200" cap="none">
               <a:solidFill>
                 <a:schemeClr val="bg1"/>
               </a:solidFill>
@@ -12769,7 +12769,7 @@
             </a:rPr>
             <a:t>Prohibición a todo funcionario de discriminar por razón de género</a:t>
           </a:r>
-          <a:endParaRPr lang="es-MX" sz="2400" b="0" i="0" u="none" strike="noStrike" kern="1200" cap="none" dirty="0">
+          <a:endParaRPr lang="es-MX" sz="2400" b="0" i="0" u="none" strike="noStrike" kern="1200" cap="none">
             <a:solidFill>
               <a:schemeClr val="bg1"/>
             </a:solidFill>
@@ -12847,7 +12847,7 @@
             </a:spcAft>
             <a:buNone/>
           </a:pPr>
-          <a:endParaRPr lang="es-ES" sz="1100" b="0" kern="1200" dirty="0">
+          <a:endParaRPr lang="es-ES" sz="1100" b="0" kern="1200">
             <a:solidFill>
               <a:sysClr val="windowText" lastClr="000000"/>
             </a:solidFill>
@@ -12869,7 +12869,7 @@
             </a:spcAft>
             <a:buNone/>
           </a:pPr>
-          <a:endParaRPr lang="es-ES" sz="1100" b="0" kern="1200" dirty="0">
+          <a:endParaRPr lang="es-ES" sz="1100" b="0" kern="1200">
             <a:solidFill>
               <a:sysClr val="windowText" lastClr="000000"/>
             </a:solidFill>
@@ -12891,7 +12891,7 @@
             </a:spcAft>
             <a:buNone/>
           </a:pPr>
-          <a:endParaRPr lang="es-ES" sz="1200" b="0" i="0" u="none" strike="noStrike" kern="1200" cap="none" dirty="0">
+          <a:endParaRPr lang="es-ES" sz="1200" b="0" i="0" u="none" strike="noStrike" kern="1200" cap="none">
             <a:solidFill>
               <a:srgbClr val="5B4F63"/>
             </a:solidFill>
@@ -12914,7 +12914,7 @@
             <a:buNone/>
           </a:pPr>
           <a:r>
-            <a:rPr lang="es-ES" sz="2400" b="0" i="0" u="none" strike="noStrike" kern="1200" cap="none" dirty="0">
+            <a:rPr lang="es-ES" sz="2400" b="0" i="0" u="none" strike="noStrike" kern="1200" cap="none">
               <a:solidFill>
                 <a:srgbClr val="5B4F63"/>
               </a:solidFill>
@@ -12924,7 +12924,7 @@
             </a:rPr>
             <a:t>La discriminación indirecta es aquella que aparenta ser neutra en políticas para mujeres y hombres pero fomentan discriminación </a:t>
           </a:r>
-          <a:endParaRPr lang="es-MX" sz="2400" b="0" i="0" u="none" strike="noStrike" kern="1200" cap="none" dirty="0">
+          <a:endParaRPr lang="es-MX" sz="2400" b="0" i="0" u="none" strike="noStrike" kern="1200" cap="none">
             <a:solidFill>
               <a:srgbClr val="5B4F63"/>
             </a:solidFill>
@@ -13001,7 +13001,7 @@
             </a:spcAft>
             <a:buNone/>
           </a:pPr>
-          <a:endParaRPr lang="es-ES" sz="1200" b="0" kern="1200" dirty="0">
+          <a:endParaRPr lang="es-ES" sz="1200" b="0" kern="1200">
             <a:solidFill>
               <a:sysClr val="windowText" lastClr="000000"/>
             </a:solidFill>
@@ -13024,7 +13024,7 @@
             <a:buNone/>
           </a:pPr>
           <a:r>
-            <a:rPr lang="es-ES" sz="2400" b="0" i="0" u="none" strike="noStrike" kern="1200" cap="none" dirty="0">
+            <a:rPr lang="es-ES" sz="2400" b="0" i="0" u="none" strike="noStrike" kern="1200" cap="none">
               <a:solidFill>
                 <a:srgbClr val="5B4F63"/>
               </a:solidFill>
@@ -13034,7 +13034,7 @@
             </a:rPr>
             <a:t>Obligación de profundizar en el análisis de todas las formas de violencia y discriminación contra mujeres</a:t>
           </a:r>
-          <a:endParaRPr lang="es-MX" sz="2400" b="0" i="0" u="none" strike="noStrike" kern="1200" cap="none" dirty="0">
+          <a:endParaRPr lang="es-MX" sz="2400" b="0" i="0" u="none" strike="noStrike" kern="1200" cap="none">
             <a:solidFill>
               <a:srgbClr val="5B4F63"/>
             </a:solidFill>
@@ -13303,19 +13303,19 @@
             <a:buNone/>
           </a:pPr>
           <a:r>
-            <a:rPr lang="es-ES" sz="2200" b="0" i="0" kern="1200" dirty="0">
+            <a:rPr lang="es-ES" sz="2200" b="0" i="0" kern="1200">
               <a:latin typeface="Adelle Sans Light" panose="02000503000000020004" pitchFamily="50" charset="0"/>
             </a:rPr>
             <a:t>Derivado de lo anterior, es necesario informar que, el Registro Nacional de Personas Desaparecidas y No Localizadas, que concentra la información tanto de la Federación como de las Entidades Federativas, señala que, en el periodo del </a:t>
           </a:r>
           <a:r>
-            <a:rPr lang="es-ES" sz="2200" b="1" i="0" kern="1200" dirty="0">
+            <a:rPr lang="es-ES" sz="2200" b="1" i="0" kern="1200">
               <a:latin typeface="Adelle Sans Light" panose="02000503000000020004" pitchFamily="50" charset="0"/>
             </a:rPr>
             <a:t>15 de marzo de </a:t>
           </a:r>
           <a:r>
-            <a:rPr lang="es-ES" sz="2200" dirty="0"/>
+            <a:rPr lang="es-ES" sz="2200"/>
             <a:t>1964 al  28 de febrero de 2023:</a:t>
           </a:r>
         </a:p>
@@ -13397,7 +13397,7 @@
             <a:buNone/>
           </a:pPr>
           <a:r>
-            <a:rPr lang="es-MX" sz="2200" kern="1200" dirty="0"/>
+            <a:rPr lang="es-MX" sz="2200" kern="1200"/>
             <a:t>En el estado de Puebla se han registrado 1,845 personas desaparecidas y no localizadas.</a:t>
           </a:r>
         </a:p>
@@ -13414,7 +13414,7 @@
             </a:spcAft>
             <a:buNone/>
           </a:pPr>
-          <a:endParaRPr lang="es-ES" sz="2200" kern="1200" dirty="0"/>
+          <a:endParaRPr lang="es-ES" sz="2200" kern="1200"/>
         </a:p>
       </dsp:txBody>
       <dsp:txXfrm>
@@ -13484,42 +13484,42 @@
             <a:buNone/>
           </a:pPr>
           <a:r>
-            <a:rPr lang="es-ES" sz="2200" b="0" i="0" kern="1200" dirty="0">
+            <a:rPr lang="es-ES" sz="2200" b="0" i="0" kern="1200">
               <a:latin typeface="Adelle Sans Light" panose="02000503000000020004" pitchFamily="50" charset="0"/>
             </a:rPr>
             <a:t>Ahora bien, de las </a:t>
           </a:r>
           <a:r>
-            <a:rPr lang="es-ES" sz="2200" kern="1200" dirty="0"/>
+            <a:rPr lang="es-ES" sz="2200" kern="1200"/>
             <a:t>1,845</a:t>
           </a:r>
           <a:r>
-            <a:rPr lang="es-ES" sz="2200" b="0" i="0" kern="1200" dirty="0">
+            <a:rPr lang="es-ES" sz="2200" b="0" i="0" kern="1200">
               <a:latin typeface="Adelle Sans Light" panose="02000503000000020004" pitchFamily="50" charset="0"/>
             </a:rPr>
             <a:t> personas en comento, </a:t>
           </a:r>
           <a:r>
-            <a:rPr lang="es-ES" sz="2200" kern="1200" dirty="0"/>
+            <a:rPr lang="es-ES" sz="2200" kern="1200"/>
             <a:t>686</a:t>
           </a:r>
           <a:r>
-            <a:rPr lang="es-ES" sz="2200" b="0" i="0" kern="1200" dirty="0">
+            <a:rPr lang="es-ES" sz="2200" b="0" i="0" kern="1200">
               <a:latin typeface="Adelle Sans Light" panose="02000503000000020004" pitchFamily="50" charset="0"/>
             </a:rPr>
             <a:t> son mujeres, siendo los municipios de </a:t>
           </a:r>
           <a:r>
-            <a:rPr lang="es-ES" sz="2200" kern="1200" dirty="0"/>
+            <a:rPr lang="es-ES" sz="2200" kern="1200"/>
             <a:t>Puebla, Tehuacán y Tepeaca en donde se ha registrado una mayor cantidad de casos, con 285, 67 y 29 mujeres</a:t>
           </a:r>
           <a:r>
-            <a:rPr lang="es-ES" sz="2200" b="0" i="0" kern="1200" dirty="0">
+            <a:rPr lang="es-ES" sz="2200" b="0" i="0" kern="1200">
               <a:latin typeface="Adelle Sans Light" panose="02000503000000020004" pitchFamily="50" charset="0"/>
             </a:rPr>
             <a:t> desaparecidas y no localizadas, respectivamente. </a:t>
           </a:r>
-          <a:endParaRPr lang="es-MX" sz="2200" kern="1200" dirty="0">
+          <a:endParaRPr lang="es-MX" sz="2200" kern="1200">
             <a:latin typeface="Adelle Sans Light" panose="02000503000000020004" pitchFamily="50" charset="0"/>
           </a:endParaRPr>
         </a:p>
@@ -14619,32 +14619,32 @@
             <a:buNone/>
           </a:pPr>
           <a:r>
-            <a:rPr lang="es-ES" sz="2200" b="0" i="0" kern="1200" dirty="0">
+            <a:rPr lang="es-ES" sz="2200" b="0" i="0" kern="1200">
               <a:latin typeface="Adelle Sans Light" panose="02000503000000020004" pitchFamily="50" charset="0"/>
             </a:rPr>
             <a:t>Se reporta además que, han sido localizadas sin vida de</a:t>
           </a:r>
           <a:r>
-            <a:rPr lang="es-ES" sz="2200" dirty="0"/>
+            <a:rPr lang="es-ES" sz="2200"/>
             <a:t>l 15 de marzo de 1964 al 31 de enero de 2023, 55</a:t>
           </a:r>
           <a:r>
-            <a:rPr lang="es-ES" sz="2200" b="0" i="0" kern="1200" dirty="0">
+            <a:rPr lang="es-ES" sz="2200" b="0" i="0" kern="1200">
               <a:latin typeface="Adelle Sans Light" panose="02000503000000020004" pitchFamily="50" charset="0"/>
             </a:rPr>
             <a:t> mujeres. El RNPDNO registra que el rango de edad donde se cuenta con mayor número de personas sin vida, son entre los </a:t>
           </a:r>
           <a:r>
-            <a:rPr lang="es-ES" sz="2200" dirty="0"/>
+            <a:rPr lang="es-ES" sz="2200"/>
             <a:t>25 y 29 </a:t>
           </a:r>
           <a:r>
-            <a:rPr lang="es-ES" sz="2200" b="0" i="0" kern="1200" dirty="0">
+            <a:rPr lang="es-ES" sz="2200" b="0" i="0" kern="1200">
               <a:latin typeface="Adelle Sans Light" panose="02000503000000020004" pitchFamily="50" charset="0"/>
             </a:rPr>
             <a:t>años en Puebla.</a:t>
           </a:r>
-          <a:endParaRPr lang="es-MX" sz="2200" kern="1200" dirty="0">
+          <a:endParaRPr lang="es-MX" sz="2200" kern="1200">
             <a:latin typeface="Adelle Sans Light" panose="02000503000000020004" pitchFamily="50" charset="0"/>
           </a:endParaRPr>
         </a:p>
@@ -14777,27 +14777,27 @@
             <a:buNone/>
           </a:pPr>
           <a:r>
-            <a:rPr lang="es-ES" sz="2200" b="0" i="0" kern="1200" dirty="0">
+            <a:rPr lang="es-ES" sz="2200" b="0" i="0" kern="1200">
               <a:latin typeface="Adelle Sans Light" panose="02000503000000020004" pitchFamily="50" charset="0"/>
             </a:rPr>
             <a:t>Es preciso mencionar además que, en el periodo comprendido entre el </a:t>
           </a:r>
           <a:r>
-            <a:rPr lang="es-ES" sz="2200" dirty="0"/>
+            <a:rPr lang="es-ES" sz="2200"/>
             <a:t>1 y 28 de febrero </a:t>
           </a:r>
           <a:r>
-            <a:rPr lang="es-ES" sz="2200" b="0" i="0" kern="1200" dirty="0">
+            <a:rPr lang="es-ES" sz="2200" b="0" i="0" kern="1200">
               <a:latin typeface="Adelle Sans Light" panose="02000503000000020004" pitchFamily="50" charset="0"/>
             </a:rPr>
             <a:t>de 2023, se registraron 27 personas desaparecidas y no localizadas, mismas que fueron registradas en 14 municipios de la entidad.</a:t>
           </a:r>
           <a:br>
-            <a:rPr lang="es-MX" sz="2200" b="0" i="0" kern="1200" baseline="0" dirty="0">
+            <a:rPr lang="es-MX" sz="2200" b="0" i="0" kern="1200" baseline="0">
               <a:latin typeface="Adelle Sans Light" panose="02000503000000020004" pitchFamily="50" charset="0"/>
             </a:rPr>
           </a:br>
-          <a:endParaRPr lang="es-MX" sz="2200" kern="1200" dirty="0">
+          <a:endParaRPr lang="es-MX" sz="2200" kern="1200">
             <a:latin typeface="Adelle Sans Light" panose="02000503000000020004" pitchFamily="50" charset="0"/>
           </a:endParaRPr>
         </a:p>
@@ -14899,7 +14899,7 @@
             <a:buNone/>
           </a:pPr>
           <a:r>
-            <a:rPr lang="es-MX" sz="2200" kern="1200" dirty="0"/>
+            <a:rPr lang="es-MX" sz="2200" kern="1200"/>
             <a:t>En este sentido, es necesario no pasar por alto aquellos municipios de la región que parecerían no encabezar las listas ordenadas por mayor número de delitos, pero que sí son más altos en de tasas.</a:t>
           </a:r>
         </a:p>
@@ -14989,7 +14989,7 @@
             <a:buNone/>
           </a:pPr>
           <a:r>
-            <a:rPr lang="es-MX" sz="2200" kern="1200" dirty="0"/>
+            <a:rPr lang="es-MX" sz="2200" kern="1200"/>
             <a:t>Es importante que la generación de información en la materia sea hecha con perspectiva de género y se resalta la importancia del uso de indicadores que permitan hacer comparaciones entre territorios. </a:t>
           </a:r>
         </a:p>
@@ -15079,7 +15079,7 @@
             <a:buNone/>
           </a:pPr>
           <a:r>
-            <a:rPr lang="es-MX" sz="2200" kern="1200" dirty="0"/>
+            <a:rPr lang="es-MX" sz="2200" kern="1200"/>
             <a:t>La generación y monitoreo periódico de la información acerca de los hechos delictivos contra mujeres es clave para la generación de estrategias. </a:t>
           </a:r>
         </a:p>
@@ -29557,7 +29557,7 @@
                 <a:cs typeface="Calibri"/>
                 <a:sym typeface="Calibri"/>
               </a:rPr>
-              <a:t>‹Nº›</a:t>
+              <a:t>‹#›</a:t>
             </a:fld>
             <a:endParaRPr sz="1200" b="0" i="0" u="none" strike="noStrike" cap="none">
               <a:solidFill>
@@ -29862,7 +29862,7 @@
               </a:spcAft>
               <a:buNone/>
             </a:pPr>
-            <a:endParaRPr dirty="0"/>
+            <a:endParaRPr/>
           </a:p>
         </p:txBody>
       </p:sp>
@@ -29959,7 +29959,7 @@
           <a:bodyPr/>
           <a:lstStyle/>
           <a:p>
-            <a:endParaRPr lang="es-MX" dirty="0"/>
+            <a:endParaRPr lang="es-MX"/>
           </a:p>
         </p:txBody>
       </p:sp>
@@ -30068,7 +30068,7 @@
           <a:bodyPr/>
           <a:lstStyle/>
           <a:p>
-            <a:endParaRPr lang="es-MX" dirty="0"/>
+            <a:endParaRPr lang="es-MX"/>
           </a:p>
         </p:txBody>
       </p:sp>
@@ -30218,7 +30218,7 @@
           <a:bodyPr/>
           <a:lstStyle/>
           <a:p>
-            <a:endParaRPr lang="es-MX" dirty="0"/>
+            <a:endParaRPr lang="es-MX"/>
           </a:p>
         </p:txBody>
       </p:sp>
@@ -30368,7 +30368,7 @@
           <a:bodyPr/>
           <a:lstStyle/>
           <a:p>
-            <a:endParaRPr lang="es-MX" dirty="0"/>
+            <a:endParaRPr lang="es-MX"/>
           </a:p>
         </p:txBody>
       </p:sp>
@@ -31144,7 +31144,7 @@
             <a:fld id="{00000000-1234-1234-1234-123412341234}" type="slidenum">
               <a:rPr lang="es-MX" smtClean="0"/>
               <a:pPr/>
-              <a:t>‹Nº›</a:t>
+              <a:t>‹#›</a:t>
             </a:fld>
             <a:endParaRPr lang="es-MX"/>
           </a:p>
@@ -31833,7 +31833,7 @@
             <a:fld id="{00000000-1234-1234-1234-123412341234}" type="slidenum">
               <a:rPr lang="es-MX" smtClean="0"/>
               <a:pPr/>
-              <a:t>‹Nº›</a:t>
+              <a:t>‹#›</a:t>
             </a:fld>
             <a:endParaRPr lang="es-MX"/>
           </a:p>
@@ -32522,7 +32522,7 @@
             <a:fld id="{00000000-1234-1234-1234-123412341234}" type="slidenum">
               <a:rPr lang="es-MX" smtClean="0"/>
               <a:pPr/>
-              <a:t>‹Nº›</a:t>
+              <a:t>‹#›</a:t>
             </a:fld>
             <a:endParaRPr lang="es-MX"/>
           </a:p>
@@ -33248,7 +33248,7 @@
             <a:fld id="{00000000-1234-1234-1234-123412341234}" type="slidenum">
               <a:rPr lang="es-MX" smtClean="0"/>
               <a:pPr/>
-              <a:t>‹Nº›</a:t>
+              <a:t>‹#›</a:t>
             </a:fld>
             <a:endParaRPr lang="es-MX"/>
           </a:p>
@@ -34097,7 +34097,7 @@
             <a:fld id="{00000000-1234-1234-1234-123412341234}" type="slidenum">
               <a:rPr lang="es-MX" smtClean="0"/>
               <a:pPr/>
-              <a:t>‹Nº›</a:t>
+              <a:t>‹#›</a:t>
             </a:fld>
             <a:endParaRPr lang="es-MX"/>
           </a:p>
@@ -35267,7 +35267,7 @@
             <a:fld id="{00000000-1234-1234-1234-123412341234}" type="slidenum">
               <a:rPr lang="es-MX" smtClean="0"/>
               <a:pPr/>
-              <a:t>‹Nº›</a:t>
+              <a:t>‹#›</a:t>
             </a:fld>
             <a:endParaRPr lang="es-MX"/>
           </a:p>
@@ -35796,7 +35796,7 @@
             <a:fld id="{00000000-1234-1234-1234-123412341234}" type="slidenum">
               <a:rPr lang="es-MX" smtClean="0"/>
               <a:pPr/>
-              <a:t>‹Nº›</a:t>
+              <a:t>‹#›</a:t>
             </a:fld>
             <a:endParaRPr lang="es-MX"/>
           </a:p>
@@ -36646,7 +36646,7 @@
             <a:fld id="{00000000-1234-1234-1234-123412341234}" type="slidenum">
               <a:rPr lang="es-MX" smtClean="0"/>
               <a:pPr/>
-              <a:t>‹Nº›</a:t>
+              <a:t>‹#›</a:t>
             </a:fld>
             <a:endParaRPr lang="es-MX"/>
           </a:p>
@@ -37577,7 +37577,7 @@
             <a:fld id="{00000000-1234-1234-1234-123412341234}" type="slidenum">
               <a:rPr lang="es-MX" smtClean="0"/>
               <a:pPr/>
-              <a:t>‹Nº›</a:t>
+              <a:t>‹#›</a:t>
             </a:fld>
             <a:endParaRPr lang="es-MX"/>
           </a:p>
@@ -38266,7 +38266,7 @@
             <a:fld id="{00000000-1234-1234-1234-123412341234}" type="slidenum">
               <a:rPr lang="es-MX" smtClean="0"/>
               <a:pPr/>
-              <a:t>‹Nº›</a:t>
+              <a:t>‹#›</a:t>
             </a:fld>
             <a:endParaRPr lang="es-MX"/>
           </a:p>
@@ -39276,7 +39276,7 @@
             <a:fld id="{00000000-1234-1234-1234-123412341234}" type="slidenum">
               <a:rPr lang="es-MX" smtClean="0"/>
               <a:pPr/>
-              <a:t>‹Nº›</a:t>
+              <a:t>‹#›</a:t>
             </a:fld>
             <a:endParaRPr lang="es-MX"/>
           </a:p>
@@ -40156,7 +40156,7 @@
           <a:lstStyle/>
           <a:p>
             <a:pPr algn="ctr"/>
-            <a:endParaRPr lang="es-MX" dirty="0"/>
+            <a:endParaRPr lang="es-MX"/>
           </a:p>
         </p:txBody>
       </p:sp>
@@ -40191,7 +40191,7 @@
               <a:defRPr/>
             </a:pPr>
             <a:r>
-              <a:rPr lang="es-MX" sz="6600" b="1" dirty="0">
+              <a:rPr lang="es-MX" sz="6600" b="1">
                 <a:solidFill>
                   <a:schemeClr val="bg1"/>
                 </a:solidFill>
@@ -40233,7 +40233,7 @@
               <a:defRPr/>
             </a:pPr>
             <a:r>
-              <a:rPr lang="es-MX" sz="4400" b="1" dirty="0">
+              <a:rPr lang="es-MX" sz="4400" b="1">
                 <a:solidFill>
                   <a:schemeClr val="bg1"/>
                 </a:solidFill>
@@ -40241,7 +40241,7 @@
               </a:rPr>
               <a:t>Marzo 2023</a:t>
             </a:r>
-            <a:endParaRPr lang="es-MX" sz="3000" b="1" dirty="0">
+            <a:endParaRPr lang="es-MX" sz="3000" b="1">
               <a:solidFill>
                 <a:schemeClr val="bg1"/>
               </a:solidFill>
@@ -40508,7 +40508,7 @@
           </a:lstStyle>
           <a:p>
             <a:r>
-              <a:rPr lang="es-MX" altLang="es-MX" sz="3200" b="1" kern="1200" dirty="0">
+              <a:rPr lang="es-MX" altLang="es-MX" sz="3200" b="1" kern="1200">
                 <a:solidFill>
                   <a:srgbClr val="5B4F63"/>
                 </a:solidFill>
@@ -40884,7 +40884,7 @@
               <a:defRPr/>
             </a:pPr>
             <a:r>
-              <a:rPr kumimoji="0" lang="es-MX" sz="7200" b="1" i="0" u="none" strike="noStrike" kern="1200" cap="none" spc="0" normalizeH="0" baseline="0" noProof="0" dirty="0">
+              <a:rPr kumimoji="0" lang="es-MX" sz="7200" b="1" i="0" u="none" strike="noStrike" kern="1200" cap="none" spc="0" normalizeH="0" baseline="0" noProof="0">
                 <a:ln>
                   <a:noFill/>
                 </a:ln>
@@ -40934,7 +40934,7 @@
           <a:p>
             <a:pPr algn="ctr"/>
             <a:r>
-              <a:rPr lang="es-ES" sz="2400" kern="1200" dirty="0">
+              <a:rPr lang="es-ES" sz="2400" kern="1200">
                 <a:solidFill>
                   <a:schemeClr val="tx1">
                     <a:lumMod val="65000"/>
@@ -40946,7 +40946,7 @@
               </a:rPr>
               <a:t>Medidas de no repetición dictadas por la Corte con relación a transversalizar la perspectiva de género en la prevención de la comisión de delitos en razón de género</a:t>
             </a:r>
-            <a:endParaRPr lang="es-MX" sz="2400" kern="1200" dirty="0">
+            <a:endParaRPr lang="es-MX" sz="2400" kern="1200">
               <a:solidFill>
                 <a:schemeClr val="tx1">
                   <a:lumMod val="65000"/>
@@ -41017,7 +41017,7 @@
           <a:p>
             <a:pPr algn="ctr"/>
             <a:r>
-              <a:rPr lang="es-ES" sz="2400" kern="1200" dirty="0">
+              <a:rPr lang="es-ES" sz="2400" kern="1200">
                 <a:solidFill>
                   <a:schemeClr val="tx1">
                     <a:lumMod val="65000"/>
@@ -41029,7 +41029,7 @@
               </a:rPr>
               <a:t>Relación medidas de no repetición con Recomendación 28 (CEDAW)</a:t>
             </a:r>
-            <a:endParaRPr lang="es-MX" sz="2400" kern="1200" dirty="0">
+            <a:endParaRPr lang="es-MX" sz="2400" kern="1200">
               <a:solidFill>
                 <a:schemeClr val="tx1">
                   <a:lumMod val="65000"/>
@@ -41165,7 +41165,7 @@
               <a:tabLst/>
               <a:defRPr/>
             </a:pPr>
-            <a:endParaRPr kumimoji="0" lang="es-MX" sz="1800" b="0" i="0" u="none" strike="noStrike" kern="1200" cap="none" spc="0" normalizeH="0" baseline="0" noProof="0" dirty="0">
+            <a:endParaRPr kumimoji="0" lang="es-MX" sz="1800" b="0" i="0" u="none" strike="noStrike" kern="1200" cap="none" spc="0" normalizeH="0" baseline="0" noProof="0">
               <a:ln>
                 <a:noFill/>
               </a:ln>
@@ -41492,7 +41492,7 @@
               <a:buNone/>
             </a:pPr>
             <a:r>
-              <a:rPr lang="es-MX" sz="6600" b="1" dirty="0">
+              <a:rPr lang="es-MX" sz="6600" b="1">
                 <a:solidFill>
                   <a:srgbClr val="5B4F63"/>
                 </a:solidFill>
@@ -41521,7 +41521,7 @@
               <a:tabLst/>
               <a:defRPr/>
             </a:pPr>
-            <a:endParaRPr kumimoji="0" lang="es-MX" sz="7200" b="1" i="0" u="none" strike="noStrike" kern="1200" cap="none" spc="0" normalizeH="0" baseline="0" noProof="0" dirty="0">
+            <a:endParaRPr kumimoji="0" lang="es-MX" sz="7200" b="1" i="0" u="none" strike="noStrike" kern="1200" cap="none" spc="0" normalizeH="0" baseline="0" noProof="0">
               <a:ln>
                 <a:noFill/>
               </a:ln>
@@ -41849,7 +41849,7 @@
               <a:buNone/>
             </a:pPr>
             <a:r>
-              <a:rPr lang="es-MX" sz="6600" b="1" dirty="0">
+              <a:rPr lang="es-MX" sz="6600" b="1">
                 <a:solidFill>
                   <a:srgbClr val="5B4F63"/>
                 </a:solidFill>
@@ -41878,7 +41878,7 @@
               <a:tabLst/>
               <a:defRPr/>
             </a:pPr>
-            <a:endParaRPr kumimoji="0" lang="es-MX" sz="7200" b="1" i="0" u="none" strike="noStrike" kern="1200" cap="none" spc="0" normalizeH="0" baseline="0" noProof="0" dirty="0">
+            <a:endParaRPr kumimoji="0" lang="es-MX" sz="7200" b="1" i="0" u="none" strike="noStrike" kern="1200" cap="none" spc="0" normalizeH="0" baseline="0" noProof="0">
               <a:ln>
                 <a:noFill/>
               </a:ln>
@@ -42194,7 +42194,7 @@
               <a:defRPr/>
             </a:pPr>
             <a:r>
-              <a:rPr kumimoji="0" lang="es-MX" sz="6600" b="1" i="0" u="none" strike="noStrike" kern="1200" cap="none" spc="0" normalizeH="0" baseline="0" noProof="0" dirty="0">
+              <a:rPr kumimoji="0" lang="es-MX" sz="6600" b="1" i="0" u="none" strike="noStrike" kern="1200" cap="none" spc="0" normalizeH="0" baseline="0" noProof="0">
                 <a:ln>
                   <a:noFill/>
                 </a:ln>
@@ -42232,7 +42232,7 @@
               <a:tabLst/>
               <a:defRPr/>
             </a:pPr>
-            <a:endParaRPr kumimoji="0" lang="es-MX" sz="7200" b="1" i="0" u="none" strike="noStrike" kern="1200" cap="none" spc="0" normalizeH="0" baseline="0" noProof="0" dirty="0">
+            <a:endParaRPr kumimoji="0" lang="es-MX" sz="7200" b="1" i="0" u="none" strike="noStrike" kern="1200" cap="none" spc="0" normalizeH="0" baseline="0" noProof="0">
               <a:ln>
                 <a:noFill/>
               </a:ln>
@@ -42332,7 +42332,7 @@
           <a:lstStyle/>
           <a:p>
             <a:r>
-              <a:rPr lang="es-MX" sz="6600" b="0" u="none" strike="noStrike" dirty="0">
+              <a:rPr lang="es-MX" sz="6600" b="0" u="none" strike="noStrike">
                 <a:solidFill>
                   <a:srgbClr val="000000"/>
                 </a:solidFill>
@@ -42341,7 +42341,7 @@
               <a:t>1 La población utilizada fue tomada de los </a:t>
             </a:r>
             <a:r>
-              <a:rPr lang="es-MX" sz="6600" b="0" u="none" strike="noStrike" dirty="0" err="1">
+              <a:rPr lang="es-MX" sz="6600" b="0" u="none" strike="noStrike" err="1">
                 <a:solidFill>
                   <a:srgbClr val="000000"/>
                 </a:solidFill>
@@ -42350,7 +42350,7 @@
               <a:t>resutados</a:t>
             </a:r>
             <a:r>
-              <a:rPr lang="es-MX" sz="6600" b="0" u="none" strike="noStrike" dirty="0">
+              <a:rPr lang="es-MX" sz="6600" b="0" u="none" strike="noStrike">
                 <a:solidFill>
                   <a:srgbClr val="000000"/>
                 </a:solidFill>
@@ -42359,7 +42359,7 @@
               <a:t> del Censo 2020 realizado por el Instituto Nacional de Estadística y Geografía (INEGI).</a:t>
             </a:r>
             <a:br>
-              <a:rPr lang="es-MX" sz="6600" b="0" u="none" strike="noStrike" dirty="0">
+              <a:rPr lang="es-MX" sz="6600" b="0" u="none" strike="noStrike">
                 <a:solidFill>
                   <a:srgbClr val="000000"/>
                 </a:solidFill>
@@ -42367,7 +42367,7 @@
               </a:rPr>
             </a:br>
             <a:r>
-              <a:rPr lang="es-MX" sz="6600" b="0" u="none" strike="noStrike" dirty="0">
+              <a:rPr lang="es-MX" sz="6600" b="0" u="none" strike="noStrike">
                 <a:solidFill>
                   <a:srgbClr val="000000"/>
                 </a:solidFill>
@@ -42376,7 +42376,7 @@
               <a:t>2 La información referente a los delitos registrados mensualmente provienen de  información registrada en las carpetas de investigación iniciadas ante el Ministerio Público y estas cifras son publicadas mes a mes por el Secretariado Ejecutivo del Sistema Nacional de Seguridad Pública. Los datos de esta tabla fueron publicados el 20 de febrero de 2023 con corte al 31 de enero de 2023. Los delitos considerados fueron: 1) Aborto, 2) Abuso sexual, 3) Acoso sexual, 4) Feminicidio, 5) Hostigamiento sexual, 6) Otros delitos contra la familia, 7) Otros delitos que atentan contra la libertad y la seguridad sexual, 8) Trata de personas, 9) Violación equiparada, 10) Violación simple, 11) Violencia de género en todas sus modalidades distinta a la violencia familiar y 12) Violencia familiar.</a:t>
             </a:r>
             <a:br>
-              <a:rPr lang="es-MX" sz="6600" b="0" u="none" strike="noStrike" dirty="0">
+              <a:rPr lang="es-MX" sz="6600" b="0" u="none" strike="noStrike">
                 <a:solidFill>
                   <a:srgbClr val="000000"/>
                 </a:solidFill>
@@ -42384,7 +42384,7 @@
               </a:rPr>
             </a:br>
             <a:r>
-              <a:rPr lang="es-MX" sz="6600" b="0" u="none" strike="noStrike" dirty="0">
+              <a:rPr lang="es-MX" sz="6600" b="0" u="none" strike="noStrike">
                 <a:solidFill>
                   <a:srgbClr val="000000"/>
                 </a:solidFill>
@@ -42392,7 +42392,7 @@
               </a:rPr>
               <a:t>3 La metodología del cálculo de esta tasa se encuentra en el apartado 2)Metodología .Los municipios subrayados en rojo presentaron una tasa de incidencia delictiva regional mayor al promedio.</a:t>
             </a:r>
-            <a:endParaRPr lang="es-MX" sz="6600" b="0" i="0" u="none" strike="noStrike" dirty="0">
+            <a:endParaRPr lang="es-MX" sz="6600" b="0" i="0" u="none" strike="noStrike">
               <a:solidFill>
                 <a:srgbClr val="000000"/>
               </a:solidFill>
@@ -42402,25 +42402,25 @@
           </a:p>
           <a:p>
             <a:r>
-              <a:rPr lang="es-MX" dirty="0"/>
+              <a:rPr lang="es-MX"/>
               <a:t>Puede acceder a los paneles interactivos para realizar más consultas. Visite el siguiente enlace: </a:t>
             </a:r>
             <a:r>
-              <a:rPr lang="es-MX" dirty="0">
+              <a:rPr lang="es-MX">
                 <a:hlinkClick r:id="rId2"/>
               </a:rPr>
               <a:t>https://app.powerbi.com/links/C8sxQ2eb_0?ctid=3ae3c7c7-ea51-46de-9540-12f4110eac9b&amp;pbi_source=linkShare</a:t>
             </a:r>
-            <a:endParaRPr lang="es-MX" dirty="0"/>
+            <a:endParaRPr lang="es-MX"/>
           </a:p>
           <a:p>
-            <a:endParaRPr lang="es-MX" dirty="0"/>
+            <a:endParaRPr lang="es-MX"/>
           </a:p>
           <a:p>
-            <a:endParaRPr lang="es-MX" dirty="0"/>
+            <a:endParaRPr lang="es-MX"/>
           </a:p>
           <a:p>
-            <a:endParaRPr lang="es-MX" dirty="0"/>
+            <a:endParaRPr lang="es-MX"/>
           </a:p>
         </p:txBody>
       </p:sp>
@@ -42674,7 +42674,7 @@
               <a:buNone/>
             </a:pPr>
             <a:r>
-              <a:rPr lang="es-MX" sz="7200" b="1" dirty="0">
+              <a:rPr lang="es-MX" sz="7200" b="1">
                 <a:solidFill>
                   <a:srgbClr val="5B4F63"/>
                 </a:solidFill>
@@ -43047,7 +43047,7 @@
               <a:defRPr/>
             </a:pPr>
             <a:r>
-              <a:rPr kumimoji="0" lang="es-MX" sz="7200" b="1" i="0" u="none" strike="noStrike" kern="1200" cap="none" spc="0" normalizeH="0" baseline="0" noProof="0" dirty="0">
+              <a:rPr kumimoji="0" lang="es-MX" sz="7200" b="1" i="0" u="none" strike="noStrike" kern="1200" cap="none" spc="0" normalizeH="0" baseline="0" noProof="0">
                 <a:ln>
                   <a:noFill/>
                 </a:ln>
@@ -43230,7 +43230,7 @@
               </a:spcBef>
             </a:pPr>
             <a:r>
-              <a:rPr lang="en-US" sz="8000" kern="1200" dirty="0" err="1">
+              <a:rPr lang="en-US" sz="8000" kern="1200" err="1">
                 <a:solidFill>
                   <a:schemeClr val="tx1"/>
                 </a:solidFill>
@@ -43241,7 +43241,7 @@
               <a:t>Incidencia</a:t>
             </a:r>
             <a:r>
-              <a:rPr lang="en-US" sz="8000" kern="1200" dirty="0">
+              <a:rPr lang="en-US" sz="8000" kern="1200">
                 <a:solidFill>
                   <a:schemeClr val="tx1"/>
                 </a:solidFill>
@@ -43252,7 +43252,7 @@
               <a:t> </a:t>
             </a:r>
             <a:r>
-              <a:rPr lang="en-US" sz="8000" kern="1200" dirty="0" err="1">
+              <a:rPr lang="en-US" sz="8000" kern="1200" err="1">
                 <a:solidFill>
                   <a:schemeClr val="tx1"/>
                 </a:solidFill>
@@ -43263,7 +43263,7 @@
               <a:t>delictiva</a:t>
             </a:r>
             <a:r>
-              <a:rPr lang="en-US" sz="8000" kern="1200" dirty="0">
+              <a:rPr lang="en-US" sz="8000" kern="1200">
                 <a:solidFill>
                   <a:schemeClr val="tx1"/>
                 </a:solidFill>
@@ -43274,7 +43274,7 @@
               <a:t> contra las </a:t>
             </a:r>
             <a:r>
-              <a:rPr lang="en-US" sz="8000" kern="1200" dirty="0" err="1">
+              <a:rPr lang="en-US" sz="8000" kern="1200" err="1">
                 <a:solidFill>
                   <a:schemeClr val="tx1"/>
                 </a:solidFill>
@@ -43285,7 +43285,7 @@
               <a:t>mujeres</a:t>
             </a:r>
             <a:r>
-              <a:rPr lang="en-US" sz="8000" kern="1200" dirty="0">
+              <a:rPr lang="en-US" sz="8000" kern="1200">
                 <a:solidFill>
                   <a:schemeClr val="tx1"/>
                 </a:solidFill>
@@ -43296,7 +43296,7 @@
               <a:t> </a:t>
             </a:r>
             <a:r>
-              <a:rPr lang="en-US" sz="8000" kern="1200" dirty="0" err="1">
+              <a:rPr lang="en-US" sz="8000" kern="1200" err="1">
                 <a:solidFill>
                   <a:schemeClr val="tx1"/>
                 </a:solidFill>
@@ -43307,7 +43307,7 @@
               <a:t>en</a:t>
             </a:r>
             <a:r>
-              <a:rPr lang="en-US" sz="8000" kern="1200" dirty="0">
+              <a:rPr lang="en-US" sz="8000" kern="1200">
                 <a:solidFill>
                   <a:schemeClr val="tx1"/>
                 </a:solidFill>
@@ -43318,7 +43318,7 @@
               <a:t> </a:t>
             </a:r>
             <a:r>
-              <a:rPr lang="en-US" sz="8000" kern="1200" dirty="0" err="1">
+              <a:rPr lang="en-US" sz="8000" kern="1200" err="1">
                 <a:solidFill>
                   <a:schemeClr val="tx1"/>
                 </a:solidFill>
@@ -43329,7 +43329,7 @@
               <a:t>el</a:t>
             </a:r>
             <a:r>
-              <a:rPr lang="en-US" sz="8000" kern="1200" dirty="0">
+              <a:rPr lang="en-US" sz="8000" kern="1200">
                 <a:solidFill>
                   <a:schemeClr val="tx1"/>
                 </a:solidFill>
@@ -43340,7 +43340,7 @@
               <a:t> </a:t>
             </a:r>
             <a:r>
-              <a:rPr lang="en-US" sz="8000" kern="1200" dirty="0" err="1">
+              <a:rPr lang="en-US" sz="8000" kern="1200" err="1">
                 <a:solidFill>
                   <a:schemeClr val="tx1"/>
                 </a:solidFill>
@@ -43351,7 +43351,7 @@
               <a:t>estado</a:t>
             </a:r>
             <a:r>
-              <a:rPr lang="en-US" sz="8000" kern="1200" dirty="0">
+              <a:rPr lang="en-US" sz="8000" kern="1200">
                 <a:solidFill>
                   <a:schemeClr val="tx1"/>
                 </a:solidFill>
@@ -43362,7 +43362,7 @@
               <a:t> de Puebla.</a:t>
             </a:r>
             <a:br>
-              <a:rPr lang="en-US" sz="8000" kern="1200" dirty="0">
+              <a:rPr lang="en-US" sz="8000" kern="1200">
                 <a:solidFill>
                   <a:schemeClr val="tx1"/>
                 </a:solidFill>
@@ -43372,7 +43372,7 @@
               </a:rPr>
             </a:br>
             <a:r>
-              <a:rPr lang="en-US" sz="8000" kern="1200" dirty="0">
+              <a:rPr lang="en-US" sz="8000" kern="1200">
                 <a:solidFill>
                   <a:schemeClr val="tx1"/>
                 </a:solidFill>
@@ -43383,7 +43383,7 @@
               <a:t>Mapa de </a:t>
             </a:r>
             <a:r>
-              <a:rPr lang="en-US" sz="8000" kern="1200" dirty="0" err="1">
+              <a:rPr lang="en-US" sz="8000" kern="1200" err="1">
                 <a:solidFill>
                   <a:schemeClr val="tx1"/>
                 </a:solidFill>
@@ -43394,7 +43394,7 @@
               <a:t>calor</a:t>
             </a:r>
             <a:r>
-              <a:rPr lang="en-US" sz="8000" kern="1200" dirty="0">
+              <a:rPr lang="en-US" sz="8000" kern="1200">
                 <a:solidFill>
                   <a:schemeClr val="tx1"/>
                 </a:solidFill>
@@ -43405,7 +43405,7 @@
               <a:t>.</a:t>
             </a:r>
             <a:br>
-              <a:rPr lang="en-US" sz="8000" kern="1200" dirty="0">
+              <a:rPr lang="en-US" sz="8000" kern="1200">
                 <a:solidFill>
                   <a:schemeClr val="tx1"/>
                 </a:solidFill>
@@ -43415,7 +43415,7 @@
               </a:rPr>
             </a:br>
             <a:r>
-              <a:rPr lang="en-US" sz="8000" kern="1200" dirty="0" err="1">
+              <a:rPr lang="en-US" sz="8000" kern="1200" err="1">
                 <a:solidFill>
                   <a:schemeClr val="tx1"/>
                 </a:solidFill>
@@ -43436,14 +43436,6 @@
               </a:rPr>
               <a:t> 2023</a:t>
             </a:r>
-            <a:endParaRPr lang="en-US" sz="8000" kern="1200" dirty="0">
-              <a:solidFill>
-                <a:schemeClr val="tx1"/>
-              </a:solidFill>
-              <a:latin typeface="+mj-lt"/>
-              <a:ea typeface="+mj-ea"/>
-              <a:cs typeface="+mj-cs"/>
-            </a:endParaRPr>
           </a:p>
         </p:txBody>
       </p:sp>
@@ -43852,8 +43844,8 @@
           <a:chExt cx="0" cy="0"/>
         </a:xfrm>
       </p:grpSpPr>
-      <mc:AlternateContent xmlns:mc="http://schemas.openxmlformats.org/markup-compatibility/2006">
-        <mc:Choice xmlns:we="http://schemas.microsoft.com/office/webextensions/webextension/2010/11" xmlns:pca="http://schemas.microsoft.com/office/powerpoint/2013/contentapp" Requires="we pca">
+      <mc:AlternateContent xmlns:mc="http://schemas.openxmlformats.org/markup-compatibility/2006" xmlns:we="http://schemas.microsoft.com/office/webextensions/webextension/2010/11" xmlns:pca="http://schemas.microsoft.com/office/powerpoint/2013/contentapp">
+        <mc:Choice Requires="we pca">
           <p:graphicFrame>
             <p:nvGraphicFramePr>
               <p:cNvPr id="6" name="Complemento 5" title="Microsoft Power BI">
@@ -43885,7 +43877,7 @@
             </a:graphic>
           </p:graphicFrame>
         </mc:Choice>
-        <mc:Fallback>
+        <mc:Fallback xmlns="">
           <p:pic>
             <p:nvPicPr>
               <p:cNvPr id="6" name="Complemento 5" title="Microsoft Power BI">
@@ -43983,7 +43975,7 @@
               <a:tabLst/>
               <a:defRPr/>
             </a:pPr>
-            <a:endParaRPr kumimoji="0" lang="es-MX" sz="1400" b="0" i="0" u="none" strike="noStrike" kern="0" cap="none" spc="0" normalizeH="0" baseline="0" noProof="0" dirty="0">
+            <a:endParaRPr kumimoji="0" lang="es-MX" sz="1400" b="0" i="0" u="none" strike="noStrike" kern="0" cap="none" spc="0" normalizeH="0" baseline="0" noProof="0">
               <a:ln>
                 <a:noFill/>
               </a:ln>
@@ -44186,7 +44178,7 @@
               <a:defRPr/>
             </a:pPr>
             <a:r>
-              <a:rPr kumimoji="0" lang="es-MX" sz="7200" b="1" i="0" u="none" strike="noStrike" kern="1200" cap="none" spc="0" normalizeH="0" baseline="0" noProof="0" dirty="0">
+              <a:rPr kumimoji="0" lang="es-MX" sz="7200" b="1" i="0" u="none" strike="noStrike" kern="1200" cap="none" spc="0" normalizeH="0" baseline="0" noProof="0">
                 <a:ln>
                   <a:noFill/>
                 </a:ln>
@@ -44318,8 +44310,8 @@
           </a:p>
         </p:txBody>
       </p:sp>
-      <mc:AlternateContent xmlns:mc="http://schemas.openxmlformats.org/markup-compatibility/2006">
-        <mc:Choice xmlns:we="http://schemas.microsoft.com/office/webextensions/webextension/2010/11" xmlns:pca="http://schemas.microsoft.com/office/powerpoint/2013/contentapp" Requires="we pca">
+      <mc:AlternateContent xmlns:mc="http://schemas.openxmlformats.org/markup-compatibility/2006" xmlns:we="http://schemas.microsoft.com/office/webextensions/webextension/2010/11" xmlns:pca="http://schemas.microsoft.com/office/powerpoint/2013/contentapp">
+        <mc:Choice Requires="we pca">
           <p:graphicFrame>
             <p:nvGraphicFramePr>
               <p:cNvPr id="3" name="Complemento 2" title="Microsoft Power BI">
@@ -44351,7 +44343,7 @@
             </a:graphic>
           </p:graphicFrame>
         </mc:Choice>
-        <mc:Fallback>
+        <mc:Fallback xmlns="">
           <p:pic>
             <p:nvPicPr>
               <p:cNvPr id="3" name="Complemento 2" title="Microsoft Power BI">
@@ -44418,7 +44410,7 @@
           <a:lstStyle/>
           <a:p>
             <a:r>
-              <a:rPr lang="es-MX" sz="4000" dirty="0">
+              <a:rPr lang="es-MX" sz="4000">
                 <a:latin typeface="Adelle Sans Light" panose="02000503000000020004"/>
               </a:rPr>
               <a:t>Podemos notar que, si bien, estos municipios ocupan los puestos con mayor tasa delictiva, 13 de ellos tienen una densidad de población femenina menor a 5000 en los cuales sólo se concentra el 17.1% de la incidencia delictiva</a:t>
@@ -44507,8 +44499,8 @@
           </a:p>
         </p:txBody>
       </p:sp>
-      <mc:AlternateContent xmlns:mc="http://schemas.openxmlformats.org/markup-compatibility/2006">
-        <mc:Choice xmlns:we="http://schemas.microsoft.com/office/webextensions/webextension/2010/11" xmlns:pca="http://schemas.microsoft.com/office/powerpoint/2013/contentapp" Requires="we pca">
+      <mc:AlternateContent xmlns:mc="http://schemas.openxmlformats.org/markup-compatibility/2006" xmlns:we="http://schemas.microsoft.com/office/webextensions/webextension/2010/11" xmlns:pca="http://schemas.microsoft.com/office/powerpoint/2013/contentapp">
+        <mc:Choice Requires="we pca">
           <p:graphicFrame>
             <p:nvGraphicFramePr>
               <p:cNvPr id="2" name="Complemento 1" title="Microsoft Power BI">
@@ -44540,7 +44532,7 @@
             </a:graphic>
           </p:graphicFrame>
         </mc:Choice>
-        <mc:Fallback>
+        <mc:Fallback xmlns="">
           <p:pic>
             <p:nvPicPr>
               <p:cNvPr id="2" name="Complemento 1" title="Microsoft Power BI">
@@ -44607,7 +44599,7 @@
           <a:lstStyle/>
           <a:p>
             <a:r>
-              <a:rPr lang="es-MX" sz="4000" dirty="0">
+              <a:rPr lang="es-MX" sz="4000">
                 <a:latin typeface="Adelle Sans Light" panose="02000503000000020004"/>
               </a:rPr>
               <a:t>Los municipios con población femenina mayor a 5000 con mayor tasa de incidencia concentran el 67.7% de la incidencia delictiva total</a:t>
@@ -44745,7 +44737,7 @@
           <a:lstStyle/>
           <a:p>
             <a:r>
-              <a:rPr lang="es-MX" sz="4000" dirty="0">
+              <a:rPr lang="es-MX" sz="4000">
                 <a:latin typeface="Adelle Sans Light" panose="02000503000000020004"/>
               </a:rPr>
               <a:t>Estos fueron los 20 municipios con mayor número de incidentes delictivos asociados con la violencia contra las mujeres en marzo 2023, donde se concentró el 77% de la incidencia.</a:t>
@@ -45016,7 +45008,7 @@
           </a:lstStyle>
           <a:p>
             <a:r>
-              <a:rPr lang="es-MX" altLang="es-MX" sz="3200" b="1" kern="1200" dirty="0">
+              <a:rPr lang="es-MX" altLang="es-MX" sz="3200" b="1" kern="1200">
                 <a:solidFill>
                   <a:srgbClr val="5B4F63"/>
                 </a:solidFill>
@@ -45750,7 +45742,7 @@
   </we:alternateReferences>
   <we:properties>
     <we:property name="backgroundColor" value="&quot;#FFFFFF&quot;"/>
-    <we:property name="bookmark" value="&quot;H4sIAAAAAAAAA+1ZzVLcOBB+FZcvubi2/DOyx7kRFmpTlWwooNjDFoe21GOU2JYjySyTVB4o532EvNi2ZLPABIKzqSwhUMVhut2Svv661S2J96GQpm9g/Tu0GD4NX4LmIJQOkjAKu1H3TKk3Leg3HFaCcVGIvIQqWSaLPI7JSvVWqs6ET9+HFnSN9kiaARo3ISn/PI5CaJo9qJ20gsZgFPaojeqgke9wNKZPVg/4IQrxrG+UBjflgQWLbtpTMieZoCS/ZLQicCtP8QC5HbX72CttJznnvGKJSKu0RCjiihWspDFm/Oph3m7vFvXAtlVnQXYEwOnSFV+WPEkXmDOxXGK5jDOnX8nGTibVeues1+Q3sbHuHX1b4hQ6jiL0zmk0oy/vw6261liDncSdKx+3VTO01+gP1KA57uPKf+qstGtaI43TLPxA9O1pReR6HYXynfLK3aGbqIqdeKL+2tZI3AqnOCaNkV3dTKG48P1wxM9BO+yqek2EOR9pgNIC9bO1d/NXqc8jkUYbaO/GRfKJVGWc8JKim8TIUpYjZGVyc7CmXN/1H5eLlUvzKsmLDCjbeVo4Cu5HQKMNZxZVKpJVkcQxcYHLKoaCXTizTcNqpSWnyEcTNw7J0fmeo5juatV6kqYikZLlVaRROCYLpVMU/nGCGr097R4hz+l4vuG8mUxm0DIKfuUNTg5lrwKB9NdI68ih9Y+gGXzpoelfSPJnTGqvpiFPdrGVneRSSPXEjTj2GbMZzG+P12fYrkYq+Xm3HmUYT/iCxRVkAFAKUYmZW6+olkmVcCaKTHBgkAv2sLN1q6JeNSZqdKPJYFRg8Iwy58uGXM0z3NwiN9n9poyVNbQSOztr4ldWKzP5bwJO3VVD0ECwojkaCV8x9u2AAWUDtefu0jyNrIhrEMHaSQbrQUtB4gxoR1I1wOWnv7sA3w6yBw3iy4AujTCy7Ru81Ro7LsFlQP3pIx0qVIBdYJUAE5jBBC39ahxcJDclMUvOBd6t03/HTkTpmUvNMj+k85ZHNZ3LzN2Wxej2o9NLBDNo/BYYzzuusXV5u4/c5S9+BuU7H46+lxNjDU7jkuULxio6ppbposJlzmbW4IxhLEo6M6SYpVSAc4aPNfixBv8PNfj6SvRwK/Yd1eB4Tg3e0tKetGgld9ILXNm7vAPty/rEAzjgZCx2TkeCf4QzcTRicm8hTnhF5mAV1czsP/W+H+OWeWtn7CVun4C29+3+cv68RLavL70ZTV1vPb8Ffd0GdDs9Ct3T0mKVCcazAqqqivn4GDWjaWOZJXRnYrBgwJJ4iQXkj037sWk/Nu0H0rR/puZxPx++fAm/wBy2qGt/vVODNT1w3INurJj9OJ9Eb0chgk6gmH77wnxNvvl/noR+Gb/YP35AJT68GQAA&quot;"/>
+    <we:property name="bookmark" value="&quot;H4sIAAAAAAAAA+1ZzW7cNhB+FUGXXIRCP0v95Oa4NhogaQzbcA+FDyNyJDORRIWiXG+CPFDOfYS8WIeUXNsbO1YapI5jA3sQh0Pym2+GMyT3vS/k0Dew/h1a9J/6z5R604J+40V+4HdXZSHjKy6yvIojscqrKM0KRlqqN1J1g//0vW9A12iO5DBCYyck4Z9+HBYsXTFW5lgU8arEPGX+ceBD0+xBbXUqaAYM/B71oDpo5DucpqAuo0f8EPh41jdKg13owIBBu9gpqVObAEa/JIQDuJGneIDcTNJ97JU2czvlvGSRiMu4QMjCkmWsoDHD1OvA365vF3XAtlVnQHYEwMriiucFj+IVpkzkZGUeJlZeycbMKuV656zXxAZxtO4tqVviFDqOwnfGaRwmW977W3WtsQYzN3eudG6rZmyvkR+oUXPcx8p1dUaaNa0Rh3HifyD69rQicp3sJeh3ygl3x26mKrTNE/XXtkbiVljBMUkG2dXN7IoL2w8n/By0xa7K10SYtZEGKC1QP1s7M3+V+twTcbCB9m5MJJtIVIQRL8i7UYgsZilCUkQ3O2veAbuuM19VIhNpSYGfQFoAjzNLwf1waLBhzKqMRVRlURgSF5iXIWTswphtGlYrLTl5Ppi5sUiOzvcc+XRXq9aRNKeOmDSvIg38KVgonAL/jxPU6PRp9wh5TsfzDeOHWWUBLVPDrbzByaHslSeQfo00lhxa/wia0SUkmv6FJHumoHZiGvJkF1vZSS6FVE/siGMXMZvO/HZ/fYbtqqein3frUYTxiK9YWEICAIUQpVi49bIyj8qIM5ElggODVLCHHa1bJdWqKVCDG1XGQXkDnlHkfFmRq2WKm1vkJr3f1GBkDa3Eziya+JXRapjtHzxO1VWD14BX0RyNhK8Y+3ZEj6KBynN3aZ5GlsQ1CG9tWwPWo5aCmgugHUnVAJef/u48fDvKHjSILwO6NGKQbd/grdrYcQk2AupPH+lQoTzsPKMEDN4wDl5LX42Fi2SmJGbJOM+Zdfrv2JkovXCpReqHdN5yqOZz2XC3aTG4/ej0EmEYNX4LjOcd19jauN1HbuMXP4PynQ9H38uIKQdfexhfloMThqEo6MwQYxJTAk4ZPubgxxz8P+Tg6zPRw83Yd5SDwyU5eEtLc9Kikdy2XmBl7vIOtC/rEwfggJOy2DmdCP4RzsTBhInSi0vMr0gdjKKcmfyn2vdj3DJvrYy9xO0T0Oa+3V/On5dI9/WlN6O56q2Xl6Cv24B2pwe+fVpaVYlgPMmgLMuQT49RC4o2FklEdyYGKwYsCnPMIH0s2o9F+7FoP5Ci/TMVj/v58OVS+AVmv0Vdu+udGs3QA8c96KaM2U/zSXR65CLoBIr52yXma+LN/Xniu2XcYv8AdRlQ6tIZAAA=&quot;"/>
     <we:property name="creatorSessionId" value="&quot;b931a757-8086-4149-9f4e-85efd2b60907&quot;"/>
     <we:property name="creatorTenantId" value="&quot;3ae3c7c7-ea51-46de-9540-12f4110eac9b&quot;"/>
     <we:property name="creatorUserId" value="&quot;10030000AC9BC73D&quot;"/>
@@ -45779,7 +45771,7 @@
   </we:alternateReferences>
   <we:properties>
     <we:property name="backgroundColor" value="&quot;#FFFFFF&quot;"/>
-    <we:property name="bookmark" value="&quot;H4sIAAAAAAAAA81XX2/TMBD/KlFeeKlQEtqt3dsYm0Diz9im8YAQutiXYHDsYDul3dQPxDMfgS/G2UlGW2jX8U9UVeWzf7773Z3v7F7HXNhawvw5VBgfxM/AMODaRGk8iFU791DrDxWYD8AhH2YwHANnCc8R9ydAKF07oZWND65jB6ZEdylsA9IrpMnXbwYxSHkKpZcKkBYHcY3GagVSXGELpiVnGlwMYpzVUhvwKs8dOPRqpwQnmaik9x+QRWBOTPEcmWtnz7DWxnXyOMv2xoztJeneCFk2TvYnjPbYdjXQvB1PoEJIR3b9MJ8fz2pDvlz3ITkJi5OkGEKaZPvDIYdRmrIH6Om5ee0xR8S+1EYwkDTZqvPaLntvskF8YnQV9Hbhzwh5rJxwcy8kmVd3EdQlCwrkq3doMOCPtOKidf86fhJ+PUe0tnUyQGRTra146Vw3huEZFt+FYHlB0T81mnITrF+IWkcc6SuF07RK9i9BNiGppP6pIH/INe+Rn6Yt9w5ziqu+F8AbIY3VkcUZZX07kOndgCdYCSWY4GK75cfaOlFCJVC5nRS/cEbbzn8bMa2cgUhCVJAOKeAOez82GNFpUA7Ukh4pcoo18GjuJYtlYwQncQdqF1Qh4LPTVZLdir4UWgITX7+oCD82ogZDpbzrDiuqWuKtaFRMBEbl188KjY5QRU5zsJFtbFTRSHrnkIIiKA8UiigEYXqztwur2dHUCvzNgn7a7rF00neqgNVyu60IBvE7/enIIGWTxwdpMDoNLYwq0oFQXcso+CSdjApIs2yUJqNRjsPx5q7SdYwLXT//I61icIOyTU6Hz8w9eDUG/QKNX/aD32hN5yipn/6JxvOs8dVcCwr3oDdeCJQ89nZeGI7m4TwYeiRMfwdk6/4dlqXBEvoWeXz3g7GZ4SFdSHSfhemTRnUUkkXokZREouOFPj7Zv27dSxEMjCCXuHn7zRFZLP5SFS3zWS2gcFS703/Ip6AYza4T+P1UbmcH5kr/mMtfIHo3Lj4tkKZvs2y8TulU5337LbBCJRRERD35L+O3sRo2U119Gv2lIJ5h6bf+yMMfcStUKbvHZ3hihlFbr/SMpYI5nvm3bf6eOoxv17RH/7PW82vxJsdoapwWSbE3BAQ+BLafp5BMvM7tHuPM5XrN4/BZnokrpPe9H+jG2RoYnoJqm1rd8hMYcJRRUNxHO4zDXfaT2zz8G+jbDn2+Aem8OiaNDAAA&quot;"/>
+    <we:property name="bookmark" value="&quot;H4sIAAAAAAAAA81XzW7bOBB+FUGXXoxCUiT/5JZmE3SB3TabBOmhKIoRNVK5pUiVpLx2Az/QnvcR+mIdUlLWdmPHadPFGoZBDocz38xwPtK3YcFNI2D5CmoMj8MXSn2sQX8M4nAUyk1ZGk8mR1lUJJjGLM+yyRhS0lKN5Uqa8Pg2tKArtDfctCCcQRK+DctiFs+yEuIkyeIoy3JMp+G7UQhCXEDldEoQBkdhg9ooCYJ/xs4ELVnd4moU4qIRSoNzdGXBonM2J3WaE8D4+RHhAGb5HK+Q2U56iY3Stp9Pk2Q8ZWwcxeMMWTKNJjNGe0y36sE/rE9KJReW/LphvjxbNJoivB0Sde4XZ1GZQhwlkzQtIItjdoQOnl02TueU0FdKcwaChJ05Z+1miCYZheda1d5uX5SENM+k5XbpJlHizF17c9GKEvnmA2r0+qdKFrwL/zb81f86jGhMF6RXEW29teJmV6rVDC+x/HfiPa8o+xdaUW2892veqKBA+gpuFa2S/xsQrS81mf+NUzwUmovIiWnLs5Oc8qqeeeWdKq1RgcEFVX2/IlOHKZ5jzSVnvOD7Pb9UxvIKao7SHmT4tdXK9PGbgClpNQQCgpJsCA6P2PupxYBOg7Qg1+wInlOuoQiWbmawajUvaHoAtGvqEHDV6TvJ7NW+4UoA41/+kQF+ankDGor98Nd2GF43Ah/URsm4R1R9+VuiVgHKwKoCTGBaE9Q0Ei44pKRwqgOlIvBJmN/t7dOqD3S1of5uRT8de6yd9IM6YLPdHmqCUfhB/XWqkapZhMexdzr3FEYdaYHLnjLupcKdrNIzxrVqXj0JVYzutEyb0+HTS6e8mYNhgcZ/DIMfoKYrFMSnT0E8v7eumxtO6R4NzkuOogidn9e6QP1i6R39wvVwByTb8Z1UlcYKBoo8e/zB2I3whC4kus+8+LyVPYRo5TmSikhw3GTIT/JfU/daBj0iyAXu3n53RFarn9RF63g2G8gf1f70nxRzkIyk2wB+vJT70YH+rL6t5XcAfRwWVxaI4/dJMt2GdKHygX5LrFFyCQFBj/6X+dvZDbuhbj6NflISL7FyW7/F4Y644bIS/ePTPzH9qOtXetxSw5wt3Is3/5MYxtE17VH3U0/89NTzffmmwEg0jcuoHKeAUKTAJnkM0czZ3B8xLmyutiL2n3VJWCO9+t1AtdY0wPACZEdqTYePo9ejioIsXLb92N9l99zm/t/AQDv0+Qo9gy/aowwAAA==&quot;"/>
     <we:property name="creatorSessionId" value="&quot;1aa11e62-f3e3-4339-86d5-4fbec70ed297&quot;"/>
     <we:property name="creatorTenantId" value="&quot;3ae3c7c7-ea51-46de-9540-12f4110eac9b&quot;"/>
     <we:property name="creatorUserId" value="&quot;10030000AC9BC73D&quot;"/>
